--- a/Report/mid/卒研中間ポスター_佐野_1007.pptx
+++ b/Report/mid/卒研中間ポスター_佐野_1007.pptx
@@ -224,7 +224,7 @@
             <a:fld id="{7C590469-25E2-42EB-B82B-972FE68B85D1}" type="datetimeFigureOut">
               <a:rPr lang="ja-JP" altLang="en-US" smtClean="0"/>
               <a:pPr/>
-              <a:t>2022/10/3</a:t>
+              <a:t>2022/10/4</a:t>
             </a:fld>
             <a:endParaRPr lang="ja-JP" altLang="en-US" dirty="0"/>
           </a:p>
@@ -721,7 +721,7 @@
             <a:fld id="{409B9CA5-81D2-46C0-A35B-AB23A863D5F9}" type="datetimeFigureOut">
               <a:rPr lang="ja-JP" altLang="en-US" smtClean="0"/>
               <a:pPr/>
-              <a:t>2022/10/3</a:t>
+              <a:t>2022/10/4</a:t>
             </a:fld>
             <a:endParaRPr lang="ja-JP" altLang="en-US" dirty="0"/>
           </a:p>
@@ -973,7 +973,7 @@
             <a:fld id="{409B9CA5-81D2-46C0-A35B-AB23A863D5F9}" type="datetimeFigureOut">
               <a:rPr lang="ja-JP" altLang="en-US" smtClean="0"/>
               <a:pPr/>
-              <a:t>2022/10/3</a:t>
+              <a:t>2022/10/4</a:t>
             </a:fld>
             <a:endParaRPr lang="ja-JP" altLang="en-US" dirty="0"/>
           </a:p>
@@ -1235,7 +1235,7 @@
             <a:fld id="{409B9CA5-81D2-46C0-A35B-AB23A863D5F9}" type="datetimeFigureOut">
               <a:rPr lang="ja-JP" altLang="en-US" smtClean="0"/>
               <a:pPr/>
-              <a:t>2022/10/3</a:t>
+              <a:t>2022/10/4</a:t>
             </a:fld>
             <a:endParaRPr lang="ja-JP" altLang="en-US" dirty="0"/>
           </a:p>
@@ -1487,7 +1487,7 @@
             <a:fld id="{409B9CA5-81D2-46C0-A35B-AB23A863D5F9}" type="datetimeFigureOut">
               <a:rPr lang="ja-JP" altLang="en-US" smtClean="0"/>
               <a:pPr/>
-              <a:t>2022/10/3</a:t>
+              <a:t>2022/10/4</a:t>
             </a:fld>
             <a:endParaRPr lang="ja-JP" altLang="en-US" dirty="0"/>
           </a:p>
@@ -1755,7 +1755,7 @@
             <a:fld id="{409B9CA5-81D2-46C0-A35B-AB23A863D5F9}" type="datetimeFigureOut">
               <a:rPr lang="ja-JP" altLang="en-US" smtClean="0"/>
               <a:pPr/>
-              <a:t>2022/10/3</a:t>
+              <a:t>2022/10/4</a:t>
             </a:fld>
             <a:endParaRPr lang="ja-JP" altLang="en-US" dirty="0"/>
           </a:p>
@@ -2150,7 +2150,7 @@
             <a:fld id="{409B9CA5-81D2-46C0-A35B-AB23A863D5F9}" type="datetimeFigureOut">
               <a:rPr lang="ja-JP" altLang="en-US" smtClean="0"/>
               <a:pPr/>
-              <a:t>2022/10/3</a:t>
+              <a:t>2022/10/4</a:t>
             </a:fld>
             <a:endParaRPr lang="ja-JP" altLang="en-US" dirty="0"/>
           </a:p>
@@ -2684,7 +2684,7 @@
             <a:fld id="{409B9CA5-81D2-46C0-A35B-AB23A863D5F9}" type="datetimeFigureOut">
               <a:rPr lang="ja-JP" altLang="en-US" smtClean="0"/>
               <a:pPr/>
-              <a:t>2022/10/3</a:t>
+              <a:t>2022/10/4</a:t>
             </a:fld>
             <a:endParaRPr lang="ja-JP" altLang="en-US" dirty="0"/>
           </a:p>
@@ -2827,7 +2827,7 @@
             <a:fld id="{409B9CA5-81D2-46C0-A35B-AB23A863D5F9}" type="datetimeFigureOut">
               <a:rPr lang="ja-JP" altLang="en-US" smtClean="0"/>
               <a:pPr/>
-              <a:t>2022/10/3</a:t>
+              <a:t>2022/10/4</a:t>
             </a:fld>
             <a:endParaRPr lang="ja-JP" altLang="en-US" dirty="0"/>
           </a:p>
@@ -2942,7 +2942,7 @@
             <a:fld id="{409B9CA5-81D2-46C0-A35B-AB23A863D5F9}" type="datetimeFigureOut">
               <a:rPr lang="ja-JP" altLang="en-US" smtClean="0"/>
               <a:pPr/>
-              <a:t>2022/10/3</a:t>
+              <a:t>2022/10/4</a:t>
             </a:fld>
             <a:endParaRPr lang="ja-JP" altLang="en-US" dirty="0"/>
           </a:p>
@@ -3283,7 +3283,7 @@
             <a:fld id="{409B9CA5-81D2-46C0-A35B-AB23A863D5F9}" type="datetimeFigureOut">
               <a:rPr lang="ja-JP" altLang="en-US" smtClean="0"/>
               <a:pPr/>
-              <a:t>2022/10/3</a:t>
+              <a:t>2022/10/4</a:t>
             </a:fld>
             <a:endParaRPr lang="ja-JP" altLang="en-US" dirty="0"/>
           </a:p>
@@ -3561,7 +3561,7 @@
             <a:fld id="{409B9CA5-81D2-46C0-A35B-AB23A863D5F9}" type="datetimeFigureOut">
               <a:rPr lang="ja-JP" altLang="en-US" smtClean="0"/>
               <a:pPr/>
-              <a:t>2022/10/3</a:t>
+              <a:t>2022/10/4</a:t>
             </a:fld>
             <a:endParaRPr lang="ja-JP" altLang="en-US" dirty="0"/>
           </a:p>
@@ -3819,7 +3819,7 @@
             <a:fld id="{409B9CA5-81D2-46C0-A35B-AB23A863D5F9}" type="datetimeFigureOut">
               <a:rPr lang="ja-JP" altLang="en-US" smtClean="0"/>
               <a:pPr/>
-              <a:t>2022/10/3</a:t>
+              <a:t>2022/10/4</a:t>
             </a:fld>
             <a:endParaRPr lang="ja-JP" altLang="en-US" dirty="0"/>
           </a:p>
@@ -5208,19 +5208,7 @@
                 <a:latin typeface="UD デジタル 教科書体 N-B" panose="02020700000000000000" pitchFamily="17" charset="-128"/>
                 <a:ea typeface="UD デジタル 教科書体 N-B" panose="02020700000000000000" pitchFamily="17" charset="-128"/>
               </a:rPr>
-              <a:t>研究内容：</a:t>
-            </a:r>
-            <a:r>
-              <a:rPr lang="ja-JP" altLang="en-US" sz="6600" dirty="0">
-                <a:solidFill>
-                  <a:schemeClr val="accent1">
-                    <a:lumMod val="75000"/>
-                  </a:schemeClr>
-                </a:solidFill>
-                <a:latin typeface="UD デジタル 教科書体 N-B" panose="02020700000000000000" pitchFamily="17" charset="-128"/>
-                <a:ea typeface="UD デジタル 教科書体 N-B" panose="02020700000000000000" pitchFamily="17" charset="-128"/>
-              </a:rPr>
-              <a:t>撮影画像からカメラの位置を推定する</a:t>
+              <a:t>研究内容</a:t>
             </a:r>
             <a:endParaRPr lang="en-US" altLang="ja-JP" sz="5400" dirty="0">
               <a:solidFill>
@@ -5248,8 +5236,8 @@
         </p:nvSpPr>
         <p:spPr>
           <a:xfrm>
-            <a:off x="758325" y="16091347"/>
-            <a:ext cx="8568951" cy="4025333"/>
+            <a:off x="1321224" y="16098462"/>
+            <a:ext cx="8136985" cy="4025333"/>
           </a:xfrm>
           <a:prstGeom prst="rect">
             <a:avLst/>
@@ -5332,7 +5320,7 @@
                 <a:latin typeface="UD デジタル 教科書体 N-B" panose="02020700000000000000" pitchFamily="17" charset="-128"/>
                 <a:ea typeface="UD デジタル 教科書体 N-B" panose="02020700000000000000" pitchFamily="17" charset="-128"/>
               </a:rPr>
-              <a:t>・物体自体　　　一直線上に存在</a:t>
+              <a:t>・物体自体　　 一直線上に存在</a:t>
             </a:r>
             <a:endParaRPr lang="en-US" altLang="ja-JP" sz="4000" dirty="0">
               <a:solidFill>
@@ -5534,7 +5522,7 @@
         </p:nvSpPr>
         <p:spPr>
           <a:xfrm>
-            <a:off x="15322597" y="17863611"/>
+            <a:off x="15513124" y="17601917"/>
             <a:ext cx="1021782" cy="1224136"/>
           </a:xfrm>
           <a:prstGeom prst="rightArrow">
@@ -5611,7 +5599,7 @@
         </p:blipFill>
         <p:spPr>
           <a:xfrm>
-            <a:off x="9406201" y="16756821"/>
+            <a:off x="9834788" y="16533570"/>
             <a:ext cx="5170823" cy="3359859"/>
           </a:xfrm>
           <a:prstGeom prst="roundRect">
@@ -5643,7 +5631,7 @@
         </p:nvSpPr>
         <p:spPr>
           <a:xfrm>
-            <a:off x="758325" y="15170841"/>
+            <a:off x="763809" y="10483758"/>
             <a:ext cx="8568951" cy="923330"/>
           </a:xfrm>
           <a:prstGeom prst="rect">
@@ -5707,8 +5695,8 @@
         </p:nvSpPr>
         <p:spPr>
           <a:xfrm>
-            <a:off x="758325" y="20305231"/>
-            <a:ext cx="13988979" cy="707886"/>
+            <a:off x="1321224" y="20302524"/>
+            <a:ext cx="16321838" cy="707886"/>
           </a:xfrm>
           <a:prstGeom prst="rect">
             <a:avLst/>
@@ -5758,7 +5746,7 @@
                 <a:latin typeface="UD デジタル 教科書体 N-B" panose="02020700000000000000" pitchFamily="17" charset="-128"/>
                 <a:ea typeface="UD デジタル 教科書体 N-B" panose="02020700000000000000" pitchFamily="17" charset="-128"/>
               </a:rPr>
-              <a:t>本の直線を考えれば光源（カメラ）の位置で交わる。</a:t>
+              <a:t>つの物体でそれぞれ直線を考えれば光源（カメラ）の位置で交わる</a:t>
             </a:r>
             <a:endParaRPr lang="en-US" altLang="ja-JP" sz="4000" dirty="0">
               <a:solidFill>
@@ -5787,7 +5775,7 @@
         </p:nvSpPr>
         <p:spPr>
           <a:xfrm>
-            <a:off x="758325" y="21047159"/>
+            <a:off x="758325" y="21203369"/>
             <a:ext cx="8568951" cy="923330"/>
           </a:xfrm>
           <a:prstGeom prst="rect">
@@ -5851,8 +5839,8 @@
         </p:nvSpPr>
         <p:spPr>
           <a:xfrm>
-            <a:off x="763980" y="21866508"/>
-            <a:ext cx="5216903" cy="932178"/>
+            <a:off x="1321225" y="22022718"/>
+            <a:ext cx="4903102" cy="932178"/>
           </a:xfrm>
           <a:prstGeom prst="rect">
             <a:avLst/>
@@ -5924,7 +5912,7 @@
         </p:blipFill>
         <p:spPr>
           <a:xfrm>
-            <a:off x="1038768" y="23058708"/>
+            <a:off x="1478124" y="23088317"/>
             <a:ext cx="4589303" cy="3243107"/>
           </a:xfrm>
           <a:prstGeom prst="roundRect">
@@ -5956,8 +5944,8 @@
         </p:nvSpPr>
         <p:spPr>
           <a:xfrm>
-            <a:off x="7019986" y="21866508"/>
-            <a:ext cx="7452185" cy="932178"/>
+            <a:off x="7860730" y="22022718"/>
+            <a:ext cx="6840760" cy="932178"/>
           </a:xfrm>
           <a:prstGeom prst="rect">
             <a:avLst/>
@@ -6030,7 +6018,7 @@
         </p:blipFill>
         <p:spPr bwMode="auto">
           <a:xfrm>
-            <a:off x="7502065" y="23058707"/>
+            <a:off x="8037097" y="23088317"/>
             <a:ext cx="6488025" cy="3243108"/>
           </a:xfrm>
           <a:prstGeom prst="rect">
@@ -6061,7 +6049,7 @@
         </p:nvSpPr>
         <p:spPr>
           <a:xfrm>
-            <a:off x="16119334" y="21866508"/>
+            <a:off x="16119334" y="22022718"/>
             <a:ext cx="9159694" cy="932178"/>
           </a:xfrm>
           <a:prstGeom prst="rect">
@@ -6134,7 +6122,7 @@
         </p:blipFill>
         <p:spPr>
           <a:xfrm>
-            <a:off x="16024015" y="23058709"/>
+            <a:off x="16024015" y="23088317"/>
             <a:ext cx="4324143" cy="3243108"/>
           </a:xfrm>
           <a:prstGeom prst="roundRect">
@@ -6180,7 +6168,7 @@
         </p:blipFill>
         <p:spPr>
           <a:xfrm>
-            <a:off x="20954885" y="23058709"/>
+            <a:off x="20954885" y="23088317"/>
             <a:ext cx="4324143" cy="3243107"/>
           </a:xfrm>
           <a:prstGeom prst="roundRect">
@@ -6212,7 +6200,7 @@
         </p:nvSpPr>
         <p:spPr>
           <a:xfrm>
-            <a:off x="16883610" y="26400684"/>
+            <a:off x="16883610" y="26400685"/>
             <a:ext cx="2750675" cy="707886"/>
           </a:xfrm>
           <a:prstGeom prst="rect">
@@ -6346,8 +6334,8 @@
         </p:nvSpPr>
         <p:spPr>
           <a:xfrm>
-            <a:off x="498421" y="27466367"/>
-            <a:ext cx="16241336" cy="9219268"/>
+            <a:off x="498421" y="27633467"/>
+            <a:ext cx="14824176" cy="9052168"/>
           </a:xfrm>
           <a:prstGeom prst="roundRect">
             <a:avLst>
@@ -6465,13 +6453,13 @@
           <p:nvPr>
             <p:extLst>
               <p:ext uri="{D42A27DB-BD31-4B8C-83A1-F6EECF244321}">
-                <p14:modId xmlns:p14="http://schemas.microsoft.com/office/powerpoint/2010/main" val="870782603"/>
+                <p14:modId xmlns:p14="http://schemas.microsoft.com/office/powerpoint/2010/main" val="1726690551"/>
               </p:ext>
             </p:extLst>
           </p:nvPr>
         </p:nvGraphicFramePr>
         <p:xfrm>
-          <a:off x="1850100" y="30597778"/>
+          <a:off x="1063630" y="30636963"/>
           <a:ext cx="13537978" cy="4104456"/>
         </p:xfrm>
         <a:graphic>
@@ -7442,7 +7430,7 @@
         </p:nvSpPr>
         <p:spPr>
           <a:xfrm>
-            <a:off x="3438490" y="29772867"/>
+            <a:off x="2652020" y="29929077"/>
             <a:ext cx="10361198" cy="707886"/>
           </a:xfrm>
           <a:prstGeom prst="rect">
@@ -7650,8 +7638,8 @@
         </p:nvSpPr>
         <p:spPr>
           <a:xfrm>
-            <a:off x="17420569" y="27466367"/>
-            <a:ext cx="8289049" cy="9219268"/>
+            <a:off x="15887807" y="27633467"/>
+            <a:ext cx="9821812" cy="9052168"/>
           </a:xfrm>
           <a:prstGeom prst="roundRect">
             <a:avLst>
@@ -7840,6 +7828,31 @@
               </a:rPr>
               <a:t>・実際のバレーボールコートで</a:t>
             </a:r>
+            <a:br>
+              <a:rPr lang="en-US" altLang="ja-JP" sz="4000" dirty="0">
+                <a:solidFill>
+                  <a:schemeClr val="tx1">
+                    <a:lumMod val="75000"/>
+                    <a:lumOff val="25000"/>
+                  </a:schemeClr>
+                </a:solidFill>
+                <a:latin typeface="UD デジタル 教科書体 N-B" panose="02020700000000000000" pitchFamily="17" charset="-128"/>
+                <a:ea typeface="UD デジタル 教科書体 N-B" panose="02020700000000000000" pitchFamily="17" charset="-128"/>
+              </a:rPr>
+            </a:br>
+            <a:r>
+              <a:rPr lang="ja-JP" altLang="en-US" sz="4000" dirty="0">
+                <a:solidFill>
+                  <a:schemeClr val="tx1">
+                    <a:lumMod val="75000"/>
+                    <a:lumOff val="25000"/>
+                  </a:schemeClr>
+                </a:solidFill>
+                <a:latin typeface="UD デジタル 教科書体 N-B" panose="02020700000000000000" pitchFamily="17" charset="-128"/>
+                <a:ea typeface="UD デジタル 教科書体 N-B" panose="02020700000000000000" pitchFamily="17" charset="-128"/>
+              </a:rPr>
+              <a:t>　撮影を行う</a:t>
+            </a:r>
             <a:endParaRPr lang="en-US" altLang="ja-JP" sz="4000" dirty="0">
               <a:solidFill>
                 <a:schemeClr val="tx1">
@@ -7868,7 +7881,33 @@
                 <a:latin typeface="UD デジタル 教科書体 N-B" panose="02020700000000000000" pitchFamily="17" charset="-128"/>
                 <a:ea typeface="UD デジタル 教科書体 N-B" panose="02020700000000000000" pitchFamily="17" charset="-128"/>
               </a:rPr>
-              <a:t>　撮影を行う</a:t>
+              <a:t>・選手の</a:t>
+            </a:r>
+            <a:r>
+              <a:rPr lang="en-US" altLang="ja-JP" sz="4000" dirty="0">
+                <a:solidFill>
+                  <a:schemeClr val="tx1">
+                    <a:lumMod val="75000"/>
+                    <a:lumOff val="25000"/>
+                  </a:schemeClr>
+                </a:solidFill>
+                <a:latin typeface="UD デジタル 教科書体 N-B" panose="02020700000000000000" pitchFamily="17" charset="-128"/>
+                <a:ea typeface="UD デジタル 教科書体 N-B" panose="02020700000000000000" pitchFamily="17" charset="-128"/>
+              </a:rPr>
+              <a:t>3</a:t>
+            </a:r>
+            <a:r>
+              <a:rPr lang="ja-JP" altLang="en-US" sz="4000" dirty="0">
+                <a:solidFill>
+                  <a:schemeClr val="tx1">
+                    <a:lumMod val="75000"/>
+                    <a:lumOff val="25000"/>
+                  </a:schemeClr>
+                </a:solidFill>
+                <a:latin typeface="UD デジタル 教科書体 N-B" panose="02020700000000000000" pitchFamily="17" charset="-128"/>
+                <a:ea typeface="UD デジタル 教科書体 N-B" panose="02020700000000000000" pitchFamily="17" charset="-128"/>
+              </a:rPr>
+              <a:t>次元位置推定法の検証</a:t>
             </a:r>
             <a:endParaRPr lang="en-US" altLang="ja-JP" sz="4000" dirty="0">
               <a:solidFill>
@@ -7881,87 +7920,6 @@
               <a:ea typeface="UD デジタル 教科書体 N-B" panose="02020700000000000000" pitchFamily="17" charset="-128"/>
             </a:endParaRPr>
           </a:p>
-          <a:p>
-            <a:pPr>
-              <a:lnSpc>
-                <a:spcPct val="150000"/>
-              </a:lnSpc>
-            </a:pPr>
-            <a:r>
-              <a:rPr lang="ja-JP" altLang="en-US" sz="4000" dirty="0">
-                <a:solidFill>
-                  <a:schemeClr val="tx1">
-                    <a:lumMod val="75000"/>
-                    <a:lumOff val="25000"/>
-                  </a:schemeClr>
-                </a:solidFill>
-                <a:latin typeface="UD デジタル 教科書体 N-B" panose="02020700000000000000" pitchFamily="17" charset="-128"/>
-                <a:ea typeface="UD デジタル 教科書体 N-B" panose="02020700000000000000" pitchFamily="17" charset="-128"/>
-              </a:rPr>
-              <a:t>・本手法を応用した選手の</a:t>
-            </a:r>
-            <a:br>
-              <a:rPr lang="en-US" altLang="ja-JP" sz="4000" dirty="0">
-                <a:solidFill>
-                  <a:schemeClr val="tx1">
-                    <a:lumMod val="75000"/>
-                    <a:lumOff val="25000"/>
-                  </a:schemeClr>
-                </a:solidFill>
-                <a:latin typeface="UD デジタル 教科書体 N-B" panose="02020700000000000000" pitchFamily="17" charset="-128"/>
-                <a:ea typeface="UD デジタル 教科書体 N-B" panose="02020700000000000000" pitchFamily="17" charset="-128"/>
-              </a:rPr>
-            </a:br>
-            <a:r>
-              <a:rPr lang="ja-JP" altLang="en-US" sz="4000" dirty="0">
-                <a:solidFill>
-                  <a:schemeClr val="tx1">
-                    <a:lumMod val="75000"/>
-                    <a:lumOff val="25000"/>
-                  </a:schemeClr>
-                </a:solidFill>
-                <a:latin typeface="UD デジタル 教科書体 N-B" panose="02020700000000000000" pitchFamily="17" charset="-128"/>
-                <a:ea typeface="UD デジタル 教科書体 N-B" panose="02020700000000000000" pitchFamily="17" charset="-128"/>
-              </a:rPr>
-              <a:t>　</a:t>
-            </a:r>
-            <a:r>
-              <a:rPr lang="en-US" altLang="ja-JP" sz="4000" dirty="0">
-                <a:solidFill>
-                  <a:schemeClr val="tx1">
-                    <a:lumMod val="75000"/>
-                    <a:lumOff val="25000"/>
-                  </a:schemeClr>
-                </a:solidFill>
-                <a:latin typeface="UD デジタル 教科書体 N-B" panose="02020700000000000000" pitchFamily="17" charset="-128"/>
-                <a:ea typeface="UD デジタル 教科書体 N-B" panose="02020700000000000000" pitchFamily="17" charset="-128"/>
-              </a:rPr>
-              <a:t>3</a:t>
-            </a:r>
-            <a:r>
-              <a:rPr lang="ja-JP" altLang="en-US" sz="4000" dirty="0">
-                <a:solidFill>
-                  <a:schemeClr val="tx1">
-                    <a:lumMod val="75000"/>
-                    <a:lumOff val="25000"/>
-                  </a:schemeClr>
-                </a:solidFill>
-                <a:latin typeface="UD デジタル 教科書体 N-B" panose="02020700000000000000" pitchFamily="17" charset="-128"/>
-                <a:ea typeface="UD デジタル 教科書体 N-B" panose="02020700000000000000" pitchFamily="17" charset="-128"/>
-              </a:rPr>
-              <a:t>次元位置推定法の検証</a:t>
-            </a:r>
-            <a:endParaRPr lang="en-US" altLang="ja-JP" sz="4000" dirty="0">
-              <a:solidFill>
-                <a:schemeClr val="tx1">
-                  <a:lumMod val="75000"/>
-                  <a:lumOff val="25000"/>
-                </a:schemeClr>
-              </a:solidFill>
-              <a:latin typeface="UD デジタル 教科書体 N-B" panose="02020700000000000000" pitchFamily="17" charset="-128"/>
-              <a:ea typeface="UD デジタル 教科書体 N-B" panose="02020700000000000000" pitchFamily="17" charset="-128"/>
-            </a:endParaRPr>
-          </a:p>
         </p:txBody>
       </p:sp>
       <p:sp>
@@ -7978,7 +7936,7 @@
         </p:nvSpPr>
         <p:spPr>
           <a:xfrm>
-            <a:off x="4032261" y="17531507"/>
+            <a:off x="4247035" y="17531507"/>
             <a:ext cx="432048" cy="2267613"/>
           </a:xfrm>
           <a:prstGeom prst="rightBrace">
@@ -8082,20 +8040,19 @@
           </p:cNvPicPr>
           <p:nvPr/>
         </p:nvPicPr>
-        <p:blipFill>
+        <p:blipFill rotWithShape="1">
           <a:blip r:embed="rId7"/>
-          <a:stretch>
-            <a:fillRect/>
-          </a:stretch>
+          <a:srcRect t="5763"/>
+          <a:stretch/>
         </p:blipFill>
         <p:spPr>
           <a:xfrm>
-            <a:off x="9327276" y="11452788"/>
-            <a:ext cx="5249748" cy="2858336"/>
+            <a:off x="9755863" y="12282174"/>
+            <a:ext cx="5249748" cy="2693597"/>
           </a:xfrm>
           <a:prstGeom prst="roundRect">
             <a:avLst>
-              <a:gd name="adj" fmla="val 13284"/>
+              <a:gd name="adj" fmla="val 12603"/>
             </a:avLst>
           </a:prstGeom>
           <a:ln w="76200">
@@ -8110,10 +8067,10 @@
       </p:pic>
       <p:sp>
         <p:nvSpPr>
-          <p:cNvPr id="38" name="テキスト ボックス 37">
+          <p:cNvPr id="3" name="テキスト ボックス 2">
             <a:extLst>
               <a:ext uri="{FF2B5EF4-FFF2-40B4-BE49-F238E27FC236}">
-                <a16:creationId xmlns:a16="http://schemas.microsoft.com/office/drawing/2014/main" id="{E37B0678-8439-3B1F-2FB6-90E92334F576}"/>
+                <a16:creationId xmlns:a16="http://schemas.microsoft.com/office/drawing/2014/main" id="{F60E8F70-3702-999B-7A34-BF79B6F43BE7}"/>
               </a:ext>
             </a:extLst>
           </p:cNvPr>
@@ -8122,8 +8079,8 @@
         </p:nvSpPr>
         <p:spPr>
           <a:xfrm>
-            <a:off x="838827" y="10693258"/>
-            <a:ext cx="8135560" cy="707886"/>
+            <a:off x="1321224" y="11316223"/>
+            <a:ext cx="8136986" cy="4625497"/>
           </a:xfrm>
           <a:prstGeom prst="rect">
             <a:avLst/>
@@ -8131,13 +8088,18 @@
           <a:noFill/>
         </p:spPr>
         <p:txBody>
-          <a:bodyPr wrap="none" rtlCol="0">
+          <a:bodyPr wrap="square" rtlCol="0">
             <a:spAutoFit/>
           </a:bodyPr>
           <a:lstStyle/>
           <a:p>
-            <a:r>
-              <a:rPr kumimoji="1" lang="en-US" altLang="ja-JP" sz="4000" dirty="0">
+            <a:pPr>
+              <a:lnSpc>
+                <a:spcPct val="150000"/>
+              </a:lnSpc>
+            </a:pPr>
+            <a:r>
+              <a:rPr kumimoji="1" lang="ja-JP" altLang="en-US" sz="4000" dirty="0">
                 <a:solidFill>
                   <a:schemeClr val="tx1">
                     <a:lumMod val="75000"/>
@@ -8147,10 +8109,10 @@
                 <a:latin typeface="UD デジタル 教科書体 N-B" panose="02020700000000000000" pitchFamily="17" charset="-128"/>
                 <a:ea typeface="UD デジタル 教科書体 N-B" panose="02020700000000000000" pitchFamily="17" charset="-128"/>
               </a:rPr>
-              <a:t>2</a:t>
-            </a:r>
-            <a:r>
-              <a:rPr lang="ja-JP" altLang="en-US" sz="4000" dirty="0">
+              <a:t>①</a:t>
+            </a:r>
+            <a:r>
+              <a:rPr lang="en-US" altLang="ja-JP" sz="4000" dirty="0">
                 <a:solidFill>
                   <a:schemeClr val="tx1">
                     <a:lumMod val="75000"/>
@@ -8160,9 +8122,22 @@
                 <a:latin typeface="UD デジタル 教科書体 N-B" panose="02020700000000000000" pitchFamily="17" charset="-128"/>
                 <a:ea typeface="UD デジタル 教科書体 N-B" panose="02020700000000000000" pitchFamily="17" charset="-128"/>
               </a:rPr>
-              <a:t>台以上のカメラで目的物を捉える</a:t>
-            </a:r>
-            <a:endParaRPr kumimoji="1" lang="ja-JP" altLang="en-US" sz="4000" dirty="0">
+              <a:t>2</a:t>
+            </a:r>
+            <a:r>
+              <a:rPr lang="ja-JP" altLang="en-US" sz="4000" dirty="0">
+                <a:solidFill>
+                  <a:schemeClr val="tx1">
+                    <a:lumMod val="75000"/>
+                    <a:lumOff val="25000"/>
+                  </a:schemeClr>
+                </a:solidFill>
+                <a:latin typeface="UD デジタル 教科書体 N-B" panose="02020700000000000000" pitchFamily="17" charset="-128"/>
+                <a:ea typeface="UD デジタル 教科書体 N-B" panose="02020700000000000000" pitchFamily="17" charset="-128"/>
+              </a:rPr>
+              <a:t>台以上のカメラで選手を捉える</a:t>
+            </a:r>
+            <a:endParaRPr lang="en-US" altLang="ja-JP" sz="4000" dirty="0">
               <a:solidFill>
                 <a:schemeClr val="tx1">
                   <a:lumMod val="75000"/>
@@ -8173,8 +8148,420 @@
               <a:ea typeface="UD デジタル 教科書体 N-B" panose="02020700000000000000" pitchFamily="17" charset="-128"/>
             </a:endParaRPr>
           </a:p>
-        </p:txBody>
-      </p:sp>
+          <a:p>
+            <a:pPr>
+              <a:lnSpc>
+                <a:spcPct val="150000"/>
+              </a:lnSpc>
+            </a:pPr>
+            <a:r>
+              <a:rPr kumimoji="1" lang="ja-JP" altLang="en-US" sz="4000" dirty="0">
+                <a:solidFill>
+                  <a:schemeClr val="tx1">
+                    <a:lumMod val="75000"/>
+                    <a:lumOff val="25000"/>
+                  </a:schemeClr>
+                </a:solidFill>
+                <a:latin typeface="UD デジタル 教科書体 N-B" panose="02020700000000000000" pitchFamily="17" charset="-128"/>
+                <a:ea typeface="UD デジタル 教科書体 N-B" panose="02020700000000000000" pitchFamily="17" charset="-128"/>
+              </a:rPr>
+              <a:t>②それぞれのカメラで選手の射影</a:t>
+            </a:r>
+            <a:br>
+              <a:rPr kumimoji="1" lang="en-US" altLang="ja-JP" sz="4000" dirty="0">
+                <a:solidFill>
+                  <a:schemeClr val="tx1">
+                    <a:lumMod val="75000"/>
+                    <a:lumOff val="25000"/>
+                  </a:schemeClr>
+                </a:solidFill>
+                <a:latin typeface="UD デジタル 教科書体 N-B" panose="02020700000000000000" pitchFamily="17" charset="-128"/>
+                <a:ea typeface="UD デジタル 教科書体 N-B" panose="02020700000000000000" pitchFamily="17" charset="-128"/>
+              </a:rPr>
+            </a:br>
+            <a:r>
+              <a:rPr kumimoji="1" lang="ja-JP" altLang="en-US" sz="4000" dirty="0">
+                <a:solidFill>
+                  <a:schemeClr val="tx1">
+                    <a:lumMod val="75000"/>
+                    <a:lumOff val="25000"/>
+                  </a:schemeClr>
+                </a:solidFill>
+                <a:latin typeface="UD デジタル 教科書体 N-B" panose="02020700000000000000" pitchFamily="17" charset="-128"/>
+                <a:ea typeface="UD デジタル 教科書体 N-B" panose="02020700000000000000" pitchFamily="17" charset="-128"/>
+              </a:rPr>
+              <a:t>　を通過する直線を考える</a:t>
+            </a:r>
+            <a:endParaRPr kumimoji="1" lang="en-US" altLang="ja-JP" sz="4000" dirty="0">
+              <a:solidFill>
+                <a:schemeClr val="tx1">
+                  <a:lumMod val="75000"/>
+                  <a:lumOff val="25000"/>
+                </a:schemeClr>
+              </a:solidFill>
+              <a:latin typeface="UD デジタル 教科書体 N-B" panose="02020700000000000000" pitchFamily="17" charset="-128"/>
+              <a:ea typeface="UD デジタル 教科書体 N-B" panose="02020700000000000000" pitchFamily="17" charset="-128"/>
+            </a:endParaRPr>
+          </a:p>
+          <a:p>
+            <a:pPr>
+              <a:lnSpc>
+                <a:spcPct val="150000"/>
+              </a:lnSpc>
+            </a:pPr>
+            <a:r>
+              <a:rPr kumimoji="1" lang="ja-JP" altLang="en-US" sz="4000" dirty="0">
+                <a:solidFill>
+                  <a:schemeClr val="tx1">
+                    <a:lumMod val="75000"/>
+                    <a:lumOff val="25000"/>
+                  </a:schemeClr>
+                </a:solidFill>
+                <a:latin typeface="UD デジタル 教科書体 N-B" panose="02020700000000000000" pitchFamily="17" charset="-128"/>
+                <a:ea typeface="UD デジタル 教科書体 N-B" panose="02020700000000000000" pitchFamily="17" charset="-128"/>
+              </a:rPr>
+              <a:t>③複数の直線の交点を選手の</a:t>
+            </a:r>
+            <a:br>
+              <a:rPr kumimoji="1" lang="en-US" altLang="ja-JP" sz="4000" dirty="0">
+                <a:solidFill>
+                  <a:schemeClr val="tx1">
+                    <a:lumMod val="75000"/>
+                    <a:lumOff val="25000"/>
+                  </a:schemeClr>
+                </a:solidFill>
+                <a:latin typeface="UD デジタル 教科書体 N-B" panose="02020700000000000000" pitchFamily="17" charset="-128"/>
+                <a:ea typeface="UD デジタル 教科書体 N-B" panose="02020700000000000000" pitchFamily="17" charset="-128"/>
+              </a:rPr>
+            </a:br>
+            <a:r>
+              <a:rPr kumimoji="1" lang="ja-JP" altLang="en-US" sz="4000" dirty="0">
+                <a:solidFill>
+                  <a:schemeClr val="tx1">
+                    <a:lumMod val="75000"/>
+                    <a:lumOff val="25000"/>
+                  </a:schemeClr>
+                </a:solidFill>
+                <a:latin typeface="UD デジタル 教科書体 N-B" panose="02020700000000000000" pitchFamily="17" charset="-128"/>
+                <a:ea typeface="UD デジタル 教科書体 N-B" panose="02020700000000000000" pitchFamily="17" charset="-128"/>
+              </a:rPr>
+              <a:t>　</a:t>
+            </a:r>
+            <a:r>
+              <a:rPr kumimoji="1" lang="en-US" altLang="ja-JP" sz="4000" dirty="0">
+                <a:solidFill>
+                  <a:schemeClr val="tx1">
+                    <a:lumMod val="75000"/>
+                    <a:lumOff val="25000"/>
+                  </a:schemeClr>
+                </a:solidFill>
+                <a:latin typeface="UD デジタル 教科書体 N-B" panose="02020700000000000000" pitchFamily="17" charset="-128"/>
+                <a:ea typeface="UD デジタル 教科書体 N-B" panose="02020700000000000000" pitchFamily="17" charset="-128"/>
+              </a:rPr>
+              <a:t>3</a:t>
+            </a:r>
+            <a:r>
+              <a:rPr kumimoji="1" lang="ja-JP" altLang="en-US" sz="4000" dirty="0">
+                <a:solidFill>
+                  <a:schemeClr val="tx1">
+                    <a:lumMod val="75000"/>
+                    <a:lumOff val="25000"/>
+                  </a:schemeClr>
+                </a:solidFill>
+                <a:latin typeface="UD デジタル 教科書体 N-B" panose="02020700000000000000" pitchFamily="17" charset="-128"/>
+                <a:ea typeface="UD デジタル 教科書体 N-B" panose="02020700000000000000" pitchFamily="17" charset="-128"/>
+              </a:rPr>
+              <a:t>次元位置として推定する</a:t>
+            </a:r>
+          </a:p>
+        </p:txBody>
+      </p:sp>
+      <p:sp>
+        <p:nvSpPr>
+          <p:cNvPr id="18" name="矢印: 右 17">
+            <a:extLst>
+              <a:ext uri="{FF2B5EF4-FFF2-40B4-BE49-F238E27FC236}">
+                <a16:creationId xmlns:a16="http://schemas.microsoft.com/office/drawing/2014/main" id="{7F674BB0-4BB9-5A43-1BD4-D943E4910872}"/>
+              </a:ext>
+            </a:extLst>
+          </p:cNvPr>
+          <p:cNvSpPr/>
+          <p:nvPr/>
+        </p:nvSpPr>
+        <p:spPr>
+          <a:xfrm>
+            <a:off x="15513124" y="13017989"/>
+            <a:ext cx="1021782" cy="1224136"/>
+          </a:xfrm>
+          <a:prstGeom prst="rightArrow">
+            <a:avLst>
+              <a:gd name="adj1" fmla="val 50000"/>
+              <a:gd name="adj2" fmla="val 57458"/>
+            </a:avLst>
+          </a:prstGeom>
+          <a:solidFill>
+            <a:schemeClr val="accent1">
+              <a:lumMod val="60000"/>
+              <a:lumOff val="40000"/>
+            </a:schemeClr>
+          </a:solidFill>
+          <a:ln>
+            <a:noFill/>
+          </a:ln>
+          <a:effectLst/>
+        </p:spPr>
+        <p:style>
+          <a:lnRef idx="2">
+            <a:schemeClr val="accent1">
+              <a:shade val="50000"/>
+            </a:schemeClr>
+          </a:lnRef>
+          <a:fillRef idx="1">
+            <a:schemeClr val="accent1"/>
+          </a:fillRef>
+          <a:effectRef idx="0">
+            <a:schemeClr val="accent1"/>
+          </a:effectRef>
+          <a:fontRef idx="minor">
+            <a:schemeClr val="lt1"/>
+          </a:fontRef>
+        </p:style>
+        <p:txBody>
+          <a:bodyPr rtlCol="0" anchor="ctr"/>
+          <a:lstStyle/>
+          <a:p>
+            <a:pPr algn="ctr"/>
+            <a:endParaRPr kumimoji="1" lang="ja-JP" altLang="en-US">
+              <a:solidFill>
+                <a:schemeClr val="accent1"/>
+              </a:solidFill>
+            </a:endParaRPr>
+          </a:p>
+        </p:txBody>
+      </p:sp>
+      <p:sp>
+        <p:nvSpPr>
+          <p:cNvPr id="23" name="テキスト ボックス 22">
+            <a:extLst>
+              <a:ext uri="{FF2B5EF4-FFF2-40B4-BE49-F238E27FC236}">
+                <a16:creationId xmlns:a16="http://schemas.microsoft.com/office/drawing/2014/main" id="{EC3CC368-ED47-5CEE-A61E-A4D6CCB4DA7C}"/>
+              </a:ext>
+            </a:extLst>
+          </p:cNvPr>
+          <p:cNvSpPr txBox="1"/>
+          <p:nvPr/>
+        </p:nvSpPr>
+        <p:spPr>
+          <a:xfrm>
+            <a:off x="16749829" y="11778974"/>
+            <a:ext cx="8548808" cy="3702167"/>
+          </a:xfrm>
+          <a:prstGeom prst="rect">
+            <a:avLst/>
+          </a:prstGeom>
+          <a:noFill/>
+        </p:spPr>
+        <p:txBody>
+          <a:bodyPr wrap="square" rtlCol="0">
+            <a:spAutoFit/>
+          </a:bodyPr>
+          <a:lstStyle/>
+          <a:p>
+            <a:pPr>
+              <a:lnSpc>
+                <a:spcPct val="150000"/>
+              </a:lnSpc>
+            </a:pPr>
+            <a:r>
+              <a:rPr lang="ja-JP" altLang="en-US" sz="4000" dirty="0">
+                <a:solidFill>
+                  <a:schemeClr val="tx1">
+                    <a:lumMod val="75000"/>
+                    <a:lumOff val="25000"/>
+                  </a:schemeClr>
+                </a:solidFill>
+                <a:latin typeface="UD デジタル 教科書体 N-B" panose="02020700000000000000" pitchFamily="17" charset="-128"/>
+                <a:ea typeface="UD デジタル 教科書体 N-B" panose="02020700000000000000" pitchFamily="17" charset="-128"/>
+              </a:rPr>
+              <a:t>選手を通過する直線を</a:t>
+            </a:r>
+            <a:br>
+              <a:rPr lang="en-US" altLang="ja-JP" sz="4000" dirty="0">
+                <a:solidFill>
+                  <a:schemeClr val="tx1">
+                    <a:lumMod val="75000"/>
+                    <a:lumOff val="25000"/>
+                  </a:schemeClr>
+                </a:solidFill>
+                <a:latin typeface="UD デジタル 教科書体 N-B" panose="02020700000000000000" pitchFamily="17" charset="-128"/>
+                <a:ea typeface="UD デジタル 教科書体 N-B" panose="02020700000000000000" pitchFamily="17" charset="-128"/>
+              </a:rPr>
+            </a:br>
+            <a:r>
+              <a:rPr lang="ja-JP" altLang="en-US" sz="4000" dirty="0">
+                <a:solidFill>
+                  <a:schemeClr val="tx1">
+                    <a:lumMod val="75000"/>
+                    <a:lumOff val="25000"/>
+                  </a:schemeClr>
+                </a:solidFill>
+                <a:latin typeface="UD デジタル 教科書体 N-B" panose="02020700000000000000" pitchFamily="17" charset="-128"/>
+                <a:ea typeface="UD デジタル 教科書体 N-B" panose="02020700000000000000" pitchFamily="17" charset="-128"/>
+              </a:rPr>
+              <a:t>考えるには</a:t>
+            </a:r>
+            <a:r>
+              <a:rPr lang="en-US" altLang="ja-JP" sz="4000" u="sng" dirty="0">
+                <a:solidFill>
+                  <a:schemeClr val="tx1">
+                    <a:lumMod val="75000"/>
+                    <a:lumOff val="25000"/>
+                  </a:schemeClr>
+                </a:solidFill>
+                <a:latin typeface="UD デジタル 教科書体 N-B" panose="02020700000000000000" pitchFamily="17" charset="-128"/>
+                <a:ea typeface="UD デジタル 教科書体 N-B" panose="02020700000000000000" pitchFamily="17" charset="-128"/>
+              </a:rPr>
+              <a:t>2</a:t>
+            </a:r>
+            <a:r>
+              <a:rPr lang="ja-JP" altLang="en-US" sz="4000" u="sng" dirty="0">
+                <a:solidFill>
+                  <a:schemeClr val="tx1">
+                    <a:lumMod val="75000"/>
+                    <a:lumOff val="25000"/>
+                  </a:schemeClr>
+                </a:solidFill>
+                <a:latin typeface="UD デジタル 教科書体 N-B" panose="02020700000000000000" pitchFamily="17" charset="-128"/>
+                <a:ea typeface="UD デジタル 教科書体 N-B" panose="02020700000000000000" pitchFamily="17" charset="-128"/>
+              </a:rPr>
+              <a:t>つの要素</a:t>
+            </a:r>
+            <a:r>
+              <a:rPr lang="ja-JP" altLang="en-US" sz="4000" dirty="0">
+                <a:solidFill>
+                  <a:schemeClr val="tx1">
+                    <a:lumMod val="75000"/>
+                    <a:lumOff val="25000"/>
+                  </a:schemeClr>
+                </a:solidFill>
+                <a:latin typeface="UD デジタル 教科書体 N-B" panose="02020700000000000000" pitchFamily="17" charset="-128"/>
+                <a:ea typeface="UD デジタル 教科書体 N-B" panose="02020700000000000000" pitchFamily="17" charset="-128"/>
+              </a:rPr>
+              <a:t>が必要</a:t>
+            </a:r>
+            <a:endParaRPr lang="en-US" altLang="ja-JP" sz="4000" dirty="0">
+              <a:solidFill>
+                <a:schemeClr val="tx1">
+                  <a:lumMod val="75000"/>
+                  <a:lumOff val="25000"/>
+                </a:schemeClr>
+              </a:solidFill>
+              <a:latin typeface="UD デジタル 教科書体 N-B" panose="02020700000000000000" pitchFamily="17" charset="-128"/>
+              <a:ea typeface="UD デジタル 教科書体 N-B" panose="02020700000000000000" pitchFamily="17" charset="-128"/>
+            </a:endParaRPr>
+          </a:p>
+          <a:p>
+            <a:pPr>
+              <a:lnSpc>
+                <a:spcPct val="150000"/>
+              </a:lnSpc>
+            </a:pPr>
+            <a:r>
+              <a:rPr lang="ja-JP" altLang="en-US" sz="4000" dirty="0">
+                <a:solidFill>
+                  <a:schemeClr val="tx1">
+                    <a:lumMod val="75000"/>
+                    <a:lumOff val="25000"/>
+                  </a:schemeClr>
+                </a:solidFill>
+                <a:latin typeface="UD デジタル 教科書体 N-B" panose="02020700000000000000" pitchFamily="17" charset="-128"/>
+                <a:ea typeface="UD デジタル 教科書体 N-B" panose="02020700000000000000" pitchFamily="17" charset="-128"/>
+              </a:rPr>
+              <a:t>・選手の射影：射影変換で求まる</a:t>
+            </a:r>
+            <a:endParaRPr lang="en-US" altLang="ja-JP" sz="4000" dirty="0">
+              <a:solidFill>
+                <a:schemeClr val="tx1">
+                  <a:lumMod val="75000"/>
+                  <a:lumOff val="25000"/>
+                </a:schemeClr>
+              </a:solidFill>
+              <a:latin typeface="UD デジタル 教科書体 N-B" panose="02020700000000000000" pitchFamily="17" charset="-128"/>
+              <a:ea typeface="UD デジタル 教科書体 N-B" panose="02020700000000000000" pitchFamily="17" charset="-128"/>
+            </a:endParaRPr>
+          </a:p>
+          <a:p>
+            <a:pPr>
+              <a:lnSpc>
+                <a:spcPct val="150000"/>
+              </a:lnSpc>
+            </a:pPr>
+            <a:r>
+              <a:rPr lang="ja-JP" altLang="en-US" sz="4000" dirty="0">
+                <a:solidFill>
+                  <a:srgbClr val="ED7D31"/>
+                </a:solidFill>
+                <a:latin typeface="UD デジタル 教科書体 N-B" panose="02020700000000000000" pitchFamily="17" charset="-128"/>
+                <a:ea typeface="UD デジタル 教科書体 N-B" panose="02020700000000000000" pitchFamily="17" charset="-128"/>
+              </a:rPr>
+              <a:t>・カメラ位置：推定する必要がある</a:t>
+            </a:r>
+            <a:endParaRPr lang="en-US" altLang="ja-JP" sz="4000" dirty="0">
+              <a:solidFill>
+                <a:srgbClr val="ED7D31"/>
+              </a:solidFill>
+              <a:latin typeface="UD デジタル 教科書体 N-B" panose="02020700000000000000" pitchFamily="17" charset="-128"/>
+              <a:ea typeface="UD デジタル 教科書体 N-B" panose="02020700000000000000" pitchFamily="17" charset="-128"/>
+            </a:endParaRPr>
+          </a:p>
+        </p:txBody>
+      </p:sp>
+      <p:cxnSp>
+        <p:nvCxnSpPr>
+          <p:cNvPr id="27" name="直線コネクタ 26">
+            <a:extLst>
+              <a:ext uri="{FF2B5EF4-FFF2-40B4-BE49-F238E27FC236}">
+                <a16:creationId xmlns:a16="http://schemas.microsoft.com/office/drawing/2014/main" id="{D0806B4B-9077-566B-AA10-BC9F10476F48}"/>
+              </a:ext>
+            </a:extLst>
+          </p:cNvPr>
+          <p:cNvCxnSpPr>
+            <a:cxnSpLocks/>
+          </p:cNvCxnSpPr>
+          <p:nvPr/>
+        </p:nvCxnSpPr>
+        <p:spPr>
+          <a:xfrm flipV="1">
+            <a:off x="1435976" y="16046491"/>
+            <a:ext cx="23872733" cy="28650"/>
+          </a:xfrm>
+          <a:prstGeom prst="line">
+            <a:avLst/>
+          </a:prstGeom>
+          <a:ln w="76200" cap="rnd">
+            <a:solidFill>
+              <a:schemeClr val="tx1">
+                <a:lumMod val="50000"/>
+                <a:lumOff val="50000"/>
+              </a:schemeClr>
+            </a:solidFill>
+          </a:ln>
+        </p:spPr>
+        <p:style>
+          <a:lnRef idx="1">
+            <a:schemeClr val="accent1"/>
+          </a:lnRef>
+          <a:fillRef idx="0">
+            <a:schemeClr val="accent1"/>
+          </a:fillRef>
+          <a:effectRef idx="0">
+            <a:schemeClr val="accent1"/>
+          </a:effectRef>
+          <a:fontRef idx="minor">
+            <a:schemeClr val="tx1"/>
+          </a:fontRef>
+        </p:style>
+      </p:cxnSp>
     </p:spTree>
     <p:extLst>
       <p:ext uri="{BB962C8B-B14F-4D97-AF65-F5344CB8AC3E}">
@@ -8734,26 +9121,6 @@
 </file>
 
 <file path=customXml/item1.xml><?xml version="1.0" encoding="utf-8"?>
-<p:properties xmlns:p="http://schemas.microsoft.com/office/2006/metadata/properties" xmlns:xsi="http://www.w3.org/2001/XMLSchema-instance" xmlns:pc="http://schemas.microsoft.com/office/infopath/2007/PartnerControls">
-  <documentManagement>
-    <lcf76f155ced4ddcb4097134ff3c332f xmlns="d6899de3-1125-4d4b-b534-4822d3c0297b">
-      <Terms xmlns="http://schemas.microsoft.com/office/infopath/2007/PartnerControls"/>
-    </lcf76f155ced4ddcb4097134ff3c332f>
-    <TaxCatchAll xmlns="d105cd02-f242-4b57-b36a-2b84b88f6108" xsi:nil="true"/>
-  </documentManagement>
-</p:properties>
-</file>
-
-<file path=customXml/item2.xml><?xml version="1.0" encoding="utf-8"?>
-<?mso-contentType ?>
-<FormTemplates xmlns="http://schemas.microsoft.com/sharepoint/v3/contenttype/forms">
-  <Display>DocumentLibraryForm</Display>
-  <Edit>DocumentLibraryForm</Edit>
-  <New>DocumentLibraryForm</New>
-</FormTemplates>
-</file>
-
-<file path=customXml/item3.xml><?xml version="1.0" encoding="utf-8"?>
 <ct:contentTypeSchema xmlns:ct="http://schemas.microsoft.com/office/2006/metadata/contentType" xmlns:ma="http://schemas.microsoft.com/office/2006/metadata/properties/metaAttributes" ct:_="" ma:_="" ma:contentTypeName="ドキュメント" ma:contentTypeID="0x010100DA3AE0181D46CC48B1A6C7D49B05DC0E" ma:contentTypeVersion="10" ma:contentTypeDescription="新しいドキュメントを作成します。" ma:contentTypeScope="" ma:versionID="6891c78b8800e17b2974d5a387b7c6d4">
   <xsd:schema xmlns:xsd="http://www.w3.org/2001/XMLSchema" xmlns:xs="http://www.w3.org/2001/XMLSchema" xmlns:p="http://schemas.microsoft.com/office/2006/metadata/properties" xmlns:ns2="d6899de3-1125-4d4b-b534-4822d3c0297b" xmlns:ns3="d105cd02-f242-4b57-b36a-2b84b88f6108" targetNamespace="http://schemas.microsoft.com/office/2006/metadata/properties" ma:root="true" ma:fieldsID="5dff3b6462acfd23d6a98baa8449f01e" ns2:_="" ns3:_="">
     <xsd:import namespace="d6899de3-1125-4d4b-b534-4822d3c0297b"/>
@@ -8942,32 +9309,27 @@
 </ct:contentTypeSchema>
 </file>
 
-<file path=customXml/itemProps1.xml><?xml version="1.0" encoding="utf-8"?>
-<ds:datastoreItem xmlns:ds="http://schemas.openxmlformats.org/officeDocument/2006/customXml" ds:itemID="{98676A2F-3173-45D1-83A8-D056D89C5CF4}">
-  <ds:schemaRefs>
-    <ds:schemaRef ds:uri="http://purl.org/dc/elements/1.1/"/>
-    <ds:schemaRef ds:uri="http://purl.org/dc/dcmitype/"/>
-    <ds:schemaRef ds:uri="http://schemas.microsoft.com/office/2006/documentManagement/types"/>
-    <ds:schemaRef ds:uri="http://schemas.microsoft.com/office/2006/metadata/properties"/>
-    <ds:schemaRef ds:uri="http://www.w3.org/XML/1998/namespace"/>
-    <ds:schemaRef ds:uri="d6899de3-1125-4d4b-b534-4822d3c0297b"/>
-    <ds:schemaRef ds:uri="http://schemas.microsoft.com/office/infopath/2007/PartnerControls"/>
-    <ds:schemaRef ds:uri="http://schemas.openxmlformats.org/package/2006/metadata/core-properties"/>
-    <ds:schemaRef ds:uri="d105cd02-f242-4b57-b36a-2b84b88f6108"/>
-    <ds:schemaRef ds:uri="http://purl.org/dc/terms/"/>
-  </ds:schemaRefs>
-</ds:datastoreItem>
+<file path=customXml/item2.xml><?xml version="1.0" encoding="utf-8"?>
+<?mso-contentType ?>
+<FormTemplates xmlns="http://schemas.microsoft.com/sharepoint/v3/contenttype/forms">
+  <Display>DocumentLibraryForm</Display>
+  <Edit>DocumentLibraryForm</Edit>
+  <New>DocumentLibraryForm</New>
+</FormTemplates>
 </file>
 
-<file path=customXml/itemProps2.xml><?xml version="1.0" encoding="utf-8"?>
-<ds:datastoreItem xmlns:ds="http://schemas.openxmlformats.org/officeDocument/2006/customXml" ds:itemID="{D2ECA147-2494-4F76-8E6D-6CE2BA0DF9A6}">
-  <ds:schemaRefs>
-    <ds:schemaRef ds:uri="http://schemas.microsoft.com/sharepoint/v3/contenttype/forms"/>
-  </ds:schemaRefs>
-</ds:datastoreItem>
+<file path=customXml/item3.xml><?xml version="1.0" encoding="utf-8"?>
+<p:properties xmlns:p="http://schemas.microsoft.com/office/2006/metadata/properties" xmlns:xsi="http://www.w3.org/2001/XMLSchema-instance" xmlns:pc="http://schemas.microsoft.com/office/infopath/2007/PartnerControls">
+  <documentManagement>
+    <lcf76f155ced4ddcb4097134ff3c332f xmlns="d6899de3-1125-4d4b-b534-4822d3c0297b">
+      <Terms xmlns="http://schemas.microsoft.com/office/infopath/2007/PartnerControls"/>
+    </lcf76f155ced4ddcb4097134ff3c332f>
+    <TaxCatchAll xmlns="d105cd02-f242-4b57-b36a-2b84b88f6108" xsi:nil="true"/>
+  </documentManagement>
+</p:properties>
 </file>
 
-<file path=customXml/itemProps3.xml><?xml version="1.0" encoding="utf-8"?>
+<file path=customXml/itemProps1.xml><?xml version="1.0" encoding="utf-8"?>
 <ds:datastoreItem xmlns:ds="http://schemas.openxmlformats.org/officeDocument/2006/customXml" ds:itemID="{4BE7F689-3E48-441B-95DA-179F2A5FFC3F}">
   <ds:schemaRefs>
     <ds:schemaRef ds:uri="http://schemas.microsoft.com/office/2006/metadata/contentType"/>
@@ -8984,4 +9346,29 @@
     <ds:schemaRef ds:uri="http://schemas.microsoft.com/internal/obd"/>
   </ds:schemaRefs>
 </ds:datastoreItem>
+</file>
+
+<file path=customXml/itemProps2.xml><?xml version="1.0" encoding="utf-8"?>
+<ds:datastoreItem xmlns:ds="http://schemas.openxmlformats.org/officeDocument/2006/customXml" ds:itemID="{D2ECA147-2494-4F76-8E6D-6CE2BA0DF9A6}">
+  <ds:schemaRefs>
+    <ds:schemaRef ds:uri="http://schemas.microsoft.com/sharepoint/v3/contenttype/forms"/>
+  </ds:schemaRefs>
+</ds:datastoreItem>
+</file>
+
+<file path=customXml/itemProps3.xml><?xml version="1.0" encoding="utf-8"?>
+<ds:datastoreItem xmlns:ds="http://schemas.openxmlformats.org/officeDocument/2006/customXml" ds:itemID="{98676A2F-3173-45D1-83A8-D056D89C5CF4}">
+  <ds:schemaRefs>
+    <ds:schemaRef ds:uri="http://purl.org/dc/elements/1.1/"/>
+    <ds:schemaRef ds:uri="http://purl.org/dc/dcmitype/"/>
+    <ds:schemaRef ds:uri="http://schemas.microsoft.com/office/2006/documentManagement/types"/>
+    <ds:schemaRef ds:uri="http://schemas.microsoft.com/office/2006/metadata/properties"/>
+    <ds:schemaRef ds:uri="http://www.w3.org/XML/1998/namespace"/>
+    <ds:schemaRef ds:uri="d6899de3-1125-4d4b-b534-4822d3c0297b"/>
+    <ds:schemaRef ds:uri="http://schemas.microsoft.com/office/infopath/2007/PartnerControls"/>
+    <ds:schemaRef ds:uri="http://schemas.openxmlformats.org/package/2006/metadata/core-properties"/>
+    <ds:schemaRef ds:uri="d105cd02-f242-4b57-b36a-2b84b88f6108"/>
+    <ds:schemaRef ds:uri="http://purl.org/dc/terms/"/>
+  </ds:schemaRefs>
+</ds:datastoreItem>
 </file>
--- a/Report/mid/卒研中間ポスター_佐野_1007.pptx
+++ b/Report/mid/卒研中間ポスター_佐野_1007.pptx
@@ -4410,8 +4410,8 @@
         </p:nvSpPr>
         <p:spPr>
           <a:xfrm>
-            <a:off x="448613" y="3201915"/>
-            <a:ext cx="25310812" cy="5592959"/>
+            <a:off x="448613" y="3106955"/>
+            <a:ext cx="25310812" cy="5687920"/>
           </a:xfrm>
           <a:prstGeom prst="roundRect">
             <a:avLst>
@@ -5160,8 +5160,8 @@
         </p:nvSpPr>
         <p:spPr>
           <a:xfrm>
-            <a:off x="403670" y="9298931"/>
-            <a:ext cx="25310812" cy="17830552"/>
+            <a:off x="448613" y="9280187"/>
+            <a:ext cx="25310812" cy="18044408"/>
           </a:xfrm>
           <a:prstGeom prst="roundRect">
             <a:avLst>
@@ -5236,7 +5236,7 @@
         </p:nvSpPr>
         <p:spPr>
           <a:xfrm>
-            <a:off x="1321224" y="16098462"/>
+            <a:off x="1321224" y="16314486"/>
             <a:ext cx="8136985" cy="4025333"/>
           </a:xfrm>
           <a:prstGeom prst="rect">
@@ -5379,7 +5379,7 @@
         </p:nvSpPr>
         <p:spPr>
           <a:xfrm>
-            <a:off x="16739757" y="16091347"/>
+            <a:off x="16739757" y="16307371"/>
             <a:ext cx="8568952" cy="4025333"/>
           </a:xfrm>
           <a:prstGeom prst="rect">
@@ -5522,7 +5522,7 @@
         </p:nvSpPr>
         <p:spPr>
           <a:xfrm>
-            <a:off x="15513124" y="17601917"/>
+            <a:off x="15513124" y="17817941"/>
             <a:ext cx="1021782" cy="1224136"/>
           </a:xfrm>
           <a:prstGeom prst="rightArrow">
@@ -5599,7 +5599,7 @@
         </p:blipFill>
         <p:spPr>
           <a:xfrm>
-            <a:off x="9834788" y="16533570"/>
+            <a:off x="9834788" y="16749594"/>
             <a:ext cx="5170823" cy="3359859"/>
           </a:xfrm>
           <a:prstGeom prst="roundRect">
@@ -5695,7 +5695,7 @@
         </p:nvSpPr>
         <p:spPr>
           <a:xfrm>
-            <a:off x="1321224" y="20302524"/>
+            <a:off x="1321224" y="20518548"/>
             <a:ext cx="16321838" cy="707886"/>
           </a:xfrm>
           <a:prstGeom prst="rect">
@@ -5775,7 +5775,7 @@
         </p:nvSpPr>
         <p:spPr>
           <a:xfrm>
-            <a:off x="758325" y="21203369"/>
+            <a:off x="758325" y="21419393"/>
             <a:ext cx="8568951" cy="923330"/>
           </a:xfrm>
           <a:prstGeom prst="rect">
@@ -5839,7 +5839,7 @@
         </p:nvSpPr>
         <p:spPr>
           <a:xfrm>
-            <a:off x="1321225" y="22022718"/>
+            <a:off x="1321225" y="22238742"/>
             <a:ext cx="4903102" cy="932178"/>
           </a:xfrm>
           <a:prstGeom prst="rect">
@@ -5912,7 +5912,7 @@
         </p:blipFill>
         <p:spPr>
           <a:xfrm>
-            <a:off x="1478124" y="23088317"/>
+            <a:off x="1478124" y="23304341"/>
             <a:ext cx="4589303" cy="3243107"/>
           </a:xfrm>
           <a:prstGeom prst="roundRect">
@@ -5944,7 +5944,7 @@
         </p:nvSpPr>
         <p:spPr>
           <a:xfrm>
-            <a:off x="7860730" y="22022718"/>
+            <a:off x="7860730" y="22238742"/>
             <a:ext cx="6840760" cy="932178"/>
           </a:xfrm>
           <a:prstGeom prst="rect">
@@ -6018,7 +6018,7 @@
         </p:blipFill>
         <p:spPr bwMode="auto">
           <a:xfrm>
-            <a:off x="8037097" y="23088317"/>
+            <a:off x="8037097" y="23304341"/>
             <a:ext cx="6488025" cy="3243108"/>
           </a:xfrm>
           <a:prstGeom prst="rect">
@@ -6049,7 +6049,7 @@
         </p:nvSpPr>
         <p:spPr>
           <a:xfrm>
-            <a:off x="16119334" y="22022718"/>
+            <a:off x="16119334" y="22238742"/>
             <a:ext cx="9159694" cy="932178"/>
           </a:xfrm>
           <a:prstGeom prst="rect">
@@ -6122,7 +6122,7 @@
         </p:blipFill>
         <p:spPr>
           <a:xfrm>
-            <a:off x="16024015" y="23088317"/>
+            <a:off x="16024015" y="23304341"/>
             <a:ext cx="4324143" cy="3243108"/>
           </a:xfrm>
           <a:prstGeom prst="roundRect">
@@ -6168,7 +6168,7 @@
         </p:blipFill>
         <p:spPr>
           <a:xfrm>
-            <a:off x="20954885" y="23088317"/>
+            <a:off x="20954885" y="23304341"/>
             <a:ext cx="4324143" cy="3243107"/>
           </a:xfrm>
           <a:prstGeom prst="roundRect">
@@ -6200,7 +6200,7 @@
         </p:nvSpPr>
         <p:spPr>
           <a:xfrm>
-            <a:off x="16883610" y="26400685"/>
+            <a:off x="16883610" y="26616709"/>
             <a:ext cx="2750675" cy="707886"/>
           </a:xfrm>
           <a:prstGeom prst="rect">
@@ -6267,7 +6267,7 @@
         </p:nvSpPr>
         <p:spPr>
           <a:xfrm>
-            <a:off x="21741618" y="26400685"/>
+            <a:off x="21741618" y="26616709"/>
             <a:ext cx="2750675" cy="707886"/>
           </a:xfrm>
           <a:prstGeom prst="rect">
@@ -6334,8 +6334,8 @@
         </p:nvSpPr>
         <p:spPr>
           <a:xfrm>
-            <a:off x="498421" y="27633467"/>
-            <a:ext cx="14824176" cy="9052168"/>
+            <a:off x="498421" y="27809835"/>
+            <a:ext cx="14824176" cy="8875800"/>
           </a:xfrm>
           <a:prstGeom prst="roundRect">
             <a:avLst>
@@ -6413,6 +6413,89 @@
             </a:r>
             <a:endParaRPr lang="en-US" altLang="ja-JP" sz="4000" dirty="0">
               <a:solidFill>
+                <a:schemeClr val="accent2"/>
+              </a:solidFill>
+              <a:latin typeface="UD デジタル 教科書体 N-B" panose="02020700000000000000" pitchFamily="17" charset="-128"/>
+              <a:ea typeface="UD デジタル 教科書体 N-B" panose="02020700000000000000" pitchFamily="17" charset="-128"/>
+            </a:endParaRPr>
+          </a:p>
+          <a:p>
+            <a:pPr algn="ctr">
+              <a:lnSpc>
+                <a:spcPct val="150000"/>
+              </a:lnSpc>
+            </a:pPr>
+            <a:r>
+              <a:rPr lang="ja-JP" altLang="en-US" sz="4000" dirty="0">
+                <a:solidFill>
+                  <a:schemeClr val="tx1">
+                    <a:lumMod val="75000"/>
+                    <a:lumOff val="25000"/>
+                  </a:schemeClr>
+                </a:solidFill>
+                <a:latin typeface="UD デジタル 教科書体 N-B" panose="02020700000000000000" pitchFamily="17" charset="-128"/>
+                <a:ea typeface="UD デジタル 教科書体 N-B" panose="02020700000000000000" pitchFamily="17" charset="-128"/>
+              </a:rPr>
+              <a:t>表</a:t>
+            </a:r>
+            <a:r>
+              <a:rPr lang="en-US" altLang="ja-JP" sz="4000" dirty="0">
+                <a:solidFill>
+                  <a:schemeClr val="tx1">
+                    <a:lumMod val="75000"/>
+                    <a:lumOff val="25000"/>
+                  </a:schemeClr>
+                </a:solidFill>
+                <a:latin typeface="UD デジタル 教科書体 N-B" panose="02020700000000000000" pitchFamily="17" charset="-128"/>
+                <a:ea typeface="UD デジタル 教科書体 N-B" panose="02020700000000000000" pitchFamily="17" charset="-128"/>
+              </a:rPr>
+              <a:t>1.</a:t>
+            </a:r>
+            <a:r>
+              <a:rPr lang="ja-JP" altLang="en-US" sz="4000" dirty="0">
+                <a:solidFill>
+                  <a:schemeClr val="tx1">
+                    <a:lumMod val="75000"/>
+                    <a:lumOff val="25000"/>
+                  </a:schemeClr>
+                </a:solidFill>
+                <a:latin typeface="UD デジタル 教科書体 N-B" panose="02020700000000000000" pitchFamily="17" charset="-128"/>
+                <a:ea typeface="UD デジタル 教科書体 N-B" panose="02020700000000000000" pitchFamily="17" charset="-128"/>
+              </a:rPr>
+              <a:t>パターンごとのカメラ位置推定平均誤差</a:t>
+            </a:r>
+            <a:r>
+              <a:rPr lang="en-US" altLang="ja-JP" sz="4000" dirty="0">
+                <a:solidFill>
+                  <a:schemeClr val="tx1">
+                    <a:lumMod val="75000"/>
+                    <a:lumOff val="25000"/>
+                  </a:schemeClr>
+                </a:solidFill>
+                <a:latin typeface="UD デジタル 教科書体 N-B" panose="02020700000000000000" pitchFamily="17" charset="-128"/>
+                <a:ea typeface="UD デジタル 教科書体 N-B" panose="02020700000000000000" pitchFamily="17" charset="-128"/>
+              </a:rPr>
+              <a:t> </a:t>
+            </a:r>
+            <a:endParaRPr kumimoji="1" lang="ja-JP" altLang="en-US" sz="4000" dirty="0">
+              <a:solidFill>
+                <a:schemeClr val="tx1">
+                  <a:lumMod val="75000"/>
+                  <a:lumOff val="25000"/>
+                </a:schemeClr>
+              </a:solidFill>
+              <a:latin typeface="UD デジタル 教科書体 N-B" panose="02020700000000000000" pitchFamily="17" charset="-128"/>
+              <a:ea typeface="UD デジタル 教科書体 N-B" panose="02020700000000000000" pitchFamily="17" charset="-128"/>
+            </a:endParaRPr>
+          </a:p>
+          <a:p>
+            <a:pPr algn="ctr">
+              <a:lnSpc>
+                <a:spcPct val="150000"/>
+              </a:lnSpc>
+            </a:pPr>
+            <a:endParaRPr lang="en-US" altLang="ja-JP" sz="4000" dirty="0">
+              <a:solidFill>
                 <a:schemeClr val="tx1">
                   <a:lumMod val="75000"/>
                   <a:lumOff val="25000"/>
@@ -6453,13 +6536,13 @@
           <p:nvPr>
             <p:extLst>
               <p:ext uri="{D42A27DB-BD31-4B8C-83A1-F6EECF244321}">
-                <p14:modId xmlns:p14="http://schemas.microsoft.com/office/powerpoint/2010/main" val="1726690551"/>
+                <p14:modId xmlns:p14="http://schemas.microsoft.com/office/powerpoint/2010/main" val="3599833897"/>
               </p:ext>
             </p:extLst>
           </p:nvPr>
         </p:nvGraphicFramePr>
         <p:xfrm>
-          <a:off x="1063630" y="30636963"/>
+          <a:off x="1063630" y="30780979"/>
           <a:ext cx="13537978" cy="4104456"/>
         </p:xfrm>
         <a:graphic>
@@ -7418,99 +7501,6 @@
       </p:graphicFrame>
       <p:sp>
         <p:nvSpPr>
-          <p:cNvPr id="71" name="テキスト ボックス 70">
-            <a:extLst>
-              <a:ext uri="{FF2B5EF4-FFF2-40B4-BE49-F238E27FC236}">
-                <a16:creationId xmlns:a16="http://schemas.microsoft.com/office/drawing/2014/main" id="{4EB1E300-7B5C-FFFD-7E6A-D808840B5B50}"/>
-              </a:ext>
-            </a:extLst>
-          </p:cNvPr>
-          <p:cNvSpPr txBox="1"/>
-          <p:nvPr/>
-        </p:nvSpPr>
-        <p:spPr>
-          <a:xfrm>
-            <a:off x="2652020" y="29929077"/>
-            <a:ext cx="10361198" cy="707886"/>
-          </a:xfrm>
-          <a:prstGeom prst="rect">
-            <a:avLst/>
-          </a:prstGeom>
-          <a:noFill/>
-        </p:spPr>
-        <p:txBody>
-          <a:bodyPr wrap="square" rtlCol="0">
-            <a:spAutoFit/>
-          </a:bodyPr>
-          <a:lstStyle/>
-          <a:p>
-            <a:r>
-              <a:rPr lang="ja-JP" altLang="en-US" sz="4000" dirty="0">
-                <a:solidFill>
-                  <a:schemeClr val="tx1">
-                    <a:lumMod val="75000"/>
-                    <a:lumOff val="25000"/>
-                  </a:schemeClr>
-                </a:solidFill>
-                <a:latin typeface="UD デジタル 教科書体 N-B" panose="02020700000000000000" pitchFamily="17" charset="-128"/>
-                <a:ea typeface="UD デジタル 教科書体 N-B" panose="02020700000000000000" pitchFamily="17" charset="-128"/>
-              </a:rPr>
-              <a:t>表</a:t>
-            </a:r>
-            <a:r>
-              <a:rPr lang="en-US" altLang="ja-JP" sz="4000" dirty="0">
-                <a:solidFill>
-                  <a:schemeClr val="tx1">
-                    <a:lumMod val="75000"/>
-                    <a:lumOff val="25000"/>
-                  </a:schemeClr>
-                </a:solidFill>
-                <a:latin typeface="UD デジタル 教科書体 N-B" panose="02020700000000000000" pitchFamily="17" charset="-128"/>
-                <a:ea typeface="UD デジタル 教科書体 N-B" panose="02020700000000000000" pitchFamily="17" charset="-128"/>
-              </a:rPr>
-              <a:t>1.</a:t>
-            </a:r>
-            <a:r>
-              <a:rPr lang="ja-JP" altLang="en-US" sz="4000" dirty="0">
-                <a:solidFill>
-                  <a:schemeClr val="tx1">
-                    <a:lumMod val="75000"/>
-                    <a:lumOff val="25000"/>
-                  </a:schemeClr>
-                </a:solidFill>
-                <a:latin typeface="UD デジタル 教科書体 N-B" panose="02020700000000000000" pitchFamily="17" charset="-128"/>
-                <a:ea typeface="UD デジタル 教科書体 N-B" panose="02020700000000000000" pitchFamily="17" charset="-128"/>
-              </a:rPr>
-              <a:t>パターンごとのカメラ位置推定平均誤差</a:t>
-            </a:r>
-            <a:r>
-              <a:rPr lang="en-US" altLang="ja-JP" sz="4000" dirty="0">
-                <a:solidFill>
-                  <a:schemeClr val="tx1">
-                    <a:lumMod val="75000"/>
-                    <a:lumOff val="25000"/>
-                  </a:schemeClr>
-                </a:solidFill>
-                <a:latin typeface="UD デジタル 教科書体 N-B" panose="02020700000000000000" pitchFamily="17" charset="-128"/>
-                <a:ea typeface="UD デジタル 教科書体 N-B" panose="02020700000000000000" pitchFamily="17" charset="-128"/>
-              </a:rPr>
-              <a:t> </a:t>
-            </a:r>
-            <a:endParaRPr kumimoji="1" lang="ja-JP" altLang="en-US" sz="4000" dirty="0">
-              <a:solidFill>
-                <a:schemeClr val="tx1">
-                  <a:lumMod val="75000"/>
-                  <a:lumOff val="25000"/>
-                </a:schemeClr>
-              </a:solidFill>
-              <a:latin typeface="UD デジタル 教科書体 N-B" panose="02020700000000000000" pitchFamily="17" charset="-128"/>
-              <a:ea typeface="UD デジタル 教科書体 N-B" panose="02020700000000000000" pitchFamily="17" charset="-128"/>
-            </a:endParaRPr>
-          </a:p>
-        </p:txBody>
-      </p:sp>
-      <p:sp>
-        <p:nvSpPr>
           <p:cNvPr id="72" name="テキスト ボックス 71">
             <a:extLst>
               <a:ext uri="{FF2B5EF4-FFF2-40B4-BE49-F238E27FC236}">
@@ -7523,7 +7513,7 @@
         </p:nvSpPr>
         <p:spPr>
           <a:xfrm>
-            <a:off x="838827" y="34747193"/>
+            <a:off x="838827" y="34830127"/>
             <a:ext cx="16241336" cy="1855508"/>
           </a:xfrm>
           <a:prstGeom prst="rect">
@@ -7638,8 +7628,8 @@
         </p:nvSpPr>
         <p:spPr>
           <a:xfrm>
-            <a:off x="15887807" y="27633467"/>
-            <a:ext cx="9821812" cy="9052168"/>
+            <a:off x="15887807" y="27809835"/>
+            <a:ext cx="9821812" cy="8875800"/>
           </a:xfrm>
           <a:prstGeom prst="roundRect">
             <a:avLst>
@@ -7936,7 +7926,7 @@
         </p:nvSpPr>
         <p:spPr>
           <a:xfrm>
-            <a:off x="4247035" y="17531507"/>
+            <a:off x="4247035" y="17747531"/>
             <a:ext cx="432048" cy="2267613"/>
           </a:xfrm>
           <a:prstGeom prst="rightBrace">
@@ -7988,7 +7978,7 @@
         </p:nvSpPr>
         <p:spPr>
           <a:xfrm>
-            <a:off x="20088795" y="17568150"/>
+            <a:off x="20088795" y="17784174"/>
             <a:ext cx="432048" cy="2267613"/>
           </a:xfrm>
           <a:prstGeom prst="rightBrace">
@@ -8042,13 +8032,13 @@
         </p:nvPicPr>
         <p:blipFill rotWithShape="1">
           <a:blip r:embed="rId7"/>
-          <a:srcRect t="5763"/>
+          <a:srcRect t="471"/>
           <a:stretch/>
         </p:blipFill>
         <p:spPr>
           <a:xfrm>
-            <a:off x="9755863" y="12282174"/>
-            <a:ext cx="5249748" cy="2693597"/>
+            <a:off x="9755863" y="12206539"/>
+            <a:ext cx="5249748" cy="2844864"/>
           </a:xfrm>
           <a:prstGeom prst="roundRect">
             <a:avLst>
@@ -8353,7 +8343,7 @@
         </p:nvSpPr>
         <p:spPr>
           <a:xfrm>
-            <a:off x="16749829" y="11778974"/>
+            <a:off x="16739757" y="11777887"/>
             <a:ext cx="8548808" cy="3702167"/>
           </a:xfrm>
           <a:prstGeom prst="rect">
@@ -8532,17 +8522,16 @@
         </p:nvCxnSpPr>
         <p:spPr>
           <a:xfrm flipV="1">
-            <a:off x="1435976" y="16046491"/>
-            <a:ext cx="23872733" cy="28650"/>
+            <a:off x="1321224" y="16086358"/>
+            <a:ext cx="23987485" cy="56107"/>
           </a:xfrm>
           <a:prstGeom prst="line">
             <a:avLst/>
           </a:prstGeom>
           <a:ln w="76200" cap="rnd">
             <a:solidFill>
-              <a:schemeClr val="tx1">
-                <a:lumMod val="50000"/>
-                <a:lumOff val="50000"/>
+              <a:schemeClr val="bg1">
+                <a:lumMod val="75000"/>
               </a:schemeClr>
             </a:solidFill>
           </a:ln>
@@ -8562,6 +8551,122 @@
           </a:fontRef>
         </p:style>
       </p:cxnSp>
+      <p:sp>
+        <p:nvSpPr>
+          <p:cNvPr id="17" name="四角形: 角を丸くする 16">
+            <a:extLst>
+              <a:ext uri="{FF2B5EF4-FFF2-40B4-BE49-F238E27FC236}">
+                <a16:creationId xmlns:a16="http://schemas.microsoft.com/office/drawing/2014/main" id="{C4ACEBFC-6E06-93BD-96CF-35ECBAD68EAF}"/>
+              </a:ext>
+            </a:extLst>
+          </p:cNvPr>
+          <p:cNvSpPr/>
+          <p:nvPr/>
+        </p:nvSpPr>
+        <p:spPr>
+          <a:xfrm>
+            <a:off x="22670318" y="10495418"/>
+            <a:ext cx="2637453" cy="900009"/>
+          </a:xfrm>
+          <a:prstGeom prst="roundRect">
+            <a:avLst/>
+          </a:prstGeom>
+          <a:solidFill>
+            <a:schemeClr val="accent1"/>
+          </a:solidFill>
+          <a:ln>
+            <a:noFill/>
+          </a:ln>
+        </p:spPr>
+        <p:style>
+          <a:lnRef idx="2">
+            <a:schemeClr val="accent1">
+              <a:shade val="50000"/>
+            </a:schemeClr>
+          </a:lnRef>
+          <a:fillRef idx="1">
+            <a:schemeClr val="accent1"/>
+          </a:fillRef>
+          <a:effectRef idx="0">
+            <a:schemeClr val="accent1"/>
+          </a:effectRef>
+          <a:fontRef idx="minor">
+            <a:schemeClr val="lt1"/>
+          </a:fontRef>
+        </p:style>
+        <p:txBody>
+          <a:bodyPr rtlCol="0" anchor="ctr"/>
+          <a:lstStyle/>
+          <a:p>
+            <a:pPr algn="ctr"/>
+            <a:r>
+              <a:rPr kumimoji="1" lang="ja-JP" altLang="en-US" sz="5400" dirty="0">
+                <a:latin typeface="UD デジタル 教科書体 N-B" panose="02020700000000000000" pitchFamily="17" charset="-128"/>
+                <a:ea typeface="UD デジタル 教科書体 N-B" panose="02020700000000000000" pitchFamily="17" charset="-128"/>
+              </a:rPr>
+              <a:t>選手</a:t>
+            </a:r>
+          </a:p>
+        </p:txBody>
+      </p:sp>
+      <p:sp>
+        <p:nvSpPr>
+          <p:cNvPr id="26" name="四角形: 角を丸くする 25">
+            <a:extLst>
+              <a:ext uri="{FF2B5EF4-FFF2-40B4-BE49-F238E27FC236}">
+                <a16:creationId xmlns:a16="http://schemas.microsoft.com/office/drawing/2014/main" id="{521E1233-1B6B-815F-2DEE-A5AB28BCF30E}"/>
+              </a:ext>
+            </a:extLst>
+          </p:cNvPr>
+          <p:cNvSpPr/>
+          <p:nvPr/>
+        </p:nvSpPr>
+        <p:spPr>
+          <a:xfrm>
+            <a:off x="22670319" y="16522699"/>
+            <a:ext cx="2637453" cy="900009"/>
+          </a:xfrm>
+          <a:prstGeom prst="roundRect">
+            <a:avLst/>
+          </a:prstGeom>
+          <a:solidFill>
+            <a:schemeClr val="accent1"/>
+          </a:solidFill>
+          <a:ln>
+            <a:noFill/>
+          </a:ln>
+        </p:spPr>
+        <p:style>
+          <a:lnRef idx="2">
+            <a:schemeClr val="accent1">
+              <a:shade val="50000"/>
+            </a:schemeClr>
+          </a:lnRef>
+          <a:fillRef idx="1">
+            <a:schemeClr val="accent1"/>
+          </a:fillRef>
+          <a:effectRef idx="0">
+            <a:schemeClr val="accent1"/>
+          </a:effectRef>
+          <a:fontRef idx="minor">
+            <a:schemeClr val="lt1"/>
+          </a:fontRef>
+        </p:style>
+        <p:txBody>
+          <a:bodyPr rtlCol="0" anchor="ctr"/>
+          <a:lstStyle/>
+          <a:p>
+            <a:pPr algn="ctr"/>
+            <a:r>
+              <a:rPr kumimoji="1" lang="ja-JP" altLang="en-US" sz="5400" dirty="0">
+                <a:latin typeface="UD デジタル 教科書体 N-B" panose="02020700000000000000" pitchFamily="17" charset="-128"/>
+                <a:ea typeface="UD デジタル 教科書体 N-B" panose="02020700000000000000" pitchFamily="17" charset="-128"/>
+              </a:rPr>
+              <a:t>カメラ</a:t>
+            </a:r>
+          </a:p>
+        </p:txBody>
+      </p:sp>
     </p:spTree>
     <p:extLst>
       <p:ext uri="{BB962C8B-B14F-4D97-AF65-F5344CB8AC3E}">
@@ -9121,6 +9226,26 @@
 </file>
 
 <file path=customXml/item1.xml><?xml version="1.0" encoding="utf-8"?>
+<p:properties xmlns:p="http://schemas.microsoft.com/office/2006/metadata/properties" xmlns:xsi="http://www.w3.org/2001/XMLSchema-instance" xmlns:pc="http://schemas.microsoft.com/office/infopath/2007/PartnerControls">
+  <documentManagement>
+    <lcf76f155ced4ddcb4097134ff3c332f xmlns="d6899de3-1125-4d4b-b534-4822d3c0297b">
+      <Terms xmlns="http://schemas.microsoft.com/office/infopath/2007/PartnerControls"/>
+    </lcf76f155ced4ddcb4097134ff3c332f>
+    <TaxCatchAll xmlns="d105cd02-f242-4b57-b36a-2b84b88f6108" xsi:nil="true"/>
+  </documentManagement>
+</p:properties>
+</file>
+
+<file path=customXml/item2.xml><?xml version="1.0" encoding="utf-8"?>
+<?mso-contentType ?>
+<FormTemplates xmlns="http://schemas.microsoft.com/sharepoint/v3/contenttype/forms">
+  <Display>DocumentLibraryForm</Display>
+  <Edit>DocumentLibraryForm</Edit>
+  <New>DocumentLibraryForm</New>
+</FormTemplates>
+</file>
+
+<file path=customXml/item3.xml><?xml version="1.0" encoding="utf-8"?>
 <ct:contentTypeSchema xmlns:ct="http://schemas.microsoft.com/office/2006/metadata/contentType" xmlns:ma="http://schemas.microsoft.com/office/2006/metadata/properties/metaAttributes" ct:_="" ma:_="" ma:contentTypeName="ドキュメント" ma:contentTypeID="0x010100DA3AE0181D46CC48B1A6C7D49B05DC0E" ma:contentTypeVersion="10" ma:contentTypeDescription="新しいドキュメントを作成します。" ma:contentTypeScope="" ma:versionID="6891c78b8800e17b2974d5a387b7c6d4">
   <xsd:schema xmlns:xsd="http://www.w3.org/2001/XMLSchema" xmlns:xs="http://www.w3.org/2001/XMLSchema" xmlns:p="http://schemas.microsoft.com/office/2006/metadata/properties" xmlns:ns2="d6899de3-1125-4d4b-b534-4822d3c0297b" xmlns:ns3="d105cd02-f242-4b57-b36a-2b84b88f6108" targetNamespace="http://schemas.microsoft.com/office/2006/metadata/properties" ma:root="true" ma:fieldsID="5dff3b6462acfd23d6a98baa8449f01e" ns2:_="" ns3:_="">
     <xsd:import namespace="d6899de3-1125-4d4b-b534-4822d3c0297b"/>
@@ -9309,27 +9434,32 @@
 </ct:contentTypeSchema>
 </file>
 
-<file path=customXml/item2.xml><?xml version="1.0" encoding="utf-8"?>
-<?mso-contentType ?>
-<FormTemplates xmlns="http://schemas.microsoft.com/sharepoint/v3/contenttype/forms">
-  <Display>DocumentLibraryForm</Display>
-  <Edit>DocumentLibraryForm</Edit>
-  <New>DocumentLibraryForm</New>
-</FormTemplates>
+<file path=customXml/itemProps1.xml><?xml version="1.0" encoding="utf-8"?>
+<ds:datastoreItem xmlns:ds="http://schemas.openxmlformats.org/officeDocument/2006/customXml" ds:itemID="{98676A2F-3173-45D1-83A8-D056D89C5CF4}">
+  <ds:schemaRefs>
+    <ds:schemaRef ds:uri="http://purl.org/dc/elements/1.1/"/>
+    <ds:schemaRef ds:uri="http://purl.org/dc/dcmitype/"/>
+    <ds:schemaRef ds:uri="http://schemas.microsoft.com/office/2006/documentManagement/types"/>
+    <ds:schemaRef ds:uri="http://schemas.microsoft.com/office/2006/metadata/properties"/>
+    <ds:schemaRef ds:uri="http://www.w3.org/XML/1998/namespace"/>
+    <ds:schemaRef ds:uri="d6899de3-1125-4d4b-b534-4822d3c0297b"/>
+    <ds:schemaRef ds:uri="http://schemas.microsoft.com/office/infopath/2007/PartnerControls"/>
+    <ds:schemaRef ds:uri="http://schemas.openxmlformats.org/package/2006/metadata/core-properties"/>
+    <ds:schemaRef ds:uri="d105cd02-f242-4b57-b36a-2b84b88f6108"/>
+    <ds:schemaRef ds:uri="http://purl.org/dc/terms/"/>
+  </ds:schemaRefs>
+</ds:datastoreItem>
 </file>
 
-<file path=customXml/item3.xml><?xml version="1.0" encoding="utf-8"?>
-<p:properties xmlns:p="http://schemas.microsoft.com/office/2006/metadata/properties" xmlns:xsi="http://www.w3.org/2001/XMLSchema-instance" xmlns:pc="http://schemas.microsoft.com/office/infopath/2007/PartnerControls">
-  <documentManagement>
-    <lcf76f155ced4ddcb4097134ff3c332f xmlns="d6899de3-1125-4d4b-b534-4822d3c0297b">
-      <Terms xmlns="http://schemas.microsoft.com/office/infopath/2007/PartnerControls"/>
-    </lcf76f155ced4ddcb4097134ff3c332f>
-    <TaxCatchAll xmlns="d105cd02-f242-4b57-b36a-2b84b88f6108" xsi:nil="true"/>
-  </documentManagement>
-</p:properties>
+<file path=customXml/itemProps2.xml><?xml version="1.0" encoding="utf-8"?>
+<ds:datastoreItem xmlns:ds="http://schemas.openxmlformats.org/officeDocument/2006/customXml" ds:itemID="{D2ECA147-2494-4F76-8E6D-6CE2BA0DF9A6}">
+  <ds:schemaRefs>
+    <ds:schemaRef ds:uri="http://schemas.microsoft.com/sharepoint/v3/contenttype/forms"/>
+  </ds:schemaRefs>
+</ds:datastoreItem>
 </file>
 
-<file path=customXml/itemProps1.xml><?xml version="1.0" encoding="utf-8"?>
+<file path=customXml/itemProps3.xml><?xml version="1.0" encoding="utf-8"?>
 <ds:datastoreItem xmlns:ds="http://schemas.openxmlformats.org/officeDocument/2006/customXml" ds:itemID="{4BE7F689-3E48-441B-95DA-179F2A5FFC3F}">
   <ds:schemaRefs>
     <ds:schemaRef ds:uri="http://schemas.microsoft.com/office/2006/metadata/contentType"/>
@@ -9346,29 +9476,4 @@
     <ds:schemaRef ds:uri="http://schemas.microsoft.com/internal/obd"/>
   </ds:schemaRefs>
 </ds:datastoreItem>
-</file>
-
-<file path=customXml/itemProps2.xml><?xml version="1.0" encoding="utf-8"?>
-<ds:datastoreItem xmlns:ds="http://schemas.openxmlformats.org/officeDocument/2006/customXml" ds:itemID="{D2ECA147-2494-4F76-8E6D-6CE2BA0DF9A6}">
-  <ds:schemaRefs>
-    <ds:schemaRef ds:uri="http://schemas.microsoft.com/sharepoint/v3/contenttype/forms"/>
-  </ds:schemaRefs>
-</ds:datastoreItem>
-</file>
-
-<file path=customXml/itemProps3.xml><?xml version="1.0" encoding="utf-8"?>
-<ds:datastoreItem xmlns:ds="http://schemas.openxmlformats.org/officeDocument/2006/customXml" ds:itemID="{98676A2F-3173-45D1-83A8-D056D89C5CF4}">
-  <ds:schemaRefs>
-    <ds:schemaRef ds:uri="http://purl.org/dc/elements/1.1/"/>
-    <ds:schemaRef ds:uri="http://purl.org/dc/dcmitype/"/>
-    <ds:schemaRef ds:uri="http://schemas.microsoft.com/office/2006/documentManagement/types"/>
-    <ds:schemaRef ds:uri="http://schemas.microsoft.com/office/2006/metadata/properties"/>
-    <ds:schemaRef ds:uri="http://www.w3.org/XML/1998/namespace"/>
-    <ds:schemaRef ds:uri="d6899de3-1125-4d4b-b534-4822d3c0297b"/>
-    <ds:schemaRef ds:uri="http://schemas.microsoft.com/office/infopath/2007/PartnerControls"/>
-    <ds:schemaRef ds:uri="http://schemas.openxmlformats.org/package/2006/metadata/core-properties"/>
-    <ds:schemaRef ds:uri="d105cd02-f242-4b57-b36a-2b84b88f6108"/>
-    <ds:schemaRef ds:uri="http://purl.org/dc/terms/"/>
-  </ds:schemaRefs>
-</ds:datastoreItem>
 </file>
--- a/Report/mid/卒研中間ポスター_佐野_1007.pptx
+++ b/Report/mid/卒研中間ポスター_佐野_1007.pptx
@@ -224,7 +224,7 @@
             <a:fld id="{7C590469-25E2-42EB-B82B-972FE68B85D1}" type="datetimeFigureOut">
               <a:rPr lang="ja-JP" altLang="en-US" smtClean="0"/>
               <a:pPr/>
-              <a:t>2022/10/4</a:t>
+              <a:t>2022/10/6</a:t>
             </a:fld>
             <a:endParaRPr lang="ja-JP" altLang="en-US" dirty="0"/>
           </a:p>
@@ -721,7 +721,7 @@
             <a:fld id="{409B9CA5-81D2-46C0-A35B-AB23A863D5F9}" type="datetimeFigureOut">
               <a:rPr lang="ja-JP" altLang="en-US" smtClean="0"/>
               <a:pPr/>
-              <a:t>2022/10/4</a:t>
+              <a:t>2022/10/6</a:t>
             </a:fld>
             <a:endParaRPr lang="ja-JP" altLang="en-US" dirty="0"/>
           </a:p>
@@ -973,7 +973,7 @@
             <a:fld id="{409B9CA5-81D2-46C0-A35B-AB23A863D5F9}" type="datetimeFigureOut">
               <a:rPr lang="ja-JP" altLang="en-US" smtClean="0"/>
               <a:pPr/>
-              <a:t>2022/10/4</a:t>
+              <a:t>2022/10/6</a:t>
             </a:fld>
             <a:endParaRPr lang="ja-JP" altLang="en-US" dirty="0"/>
           </a:p>
@@ -1235,7 +1235,7 @@
             <a:fld id="{409B9CA5-81D2-46C0-A35B-AB23A863D5F9}" type="datetimeFigureOut">
               <a:rPr lang="ja-JP" altLang="en-US" smtClean="0"/>
               <a:pPr/>
-              <a:t>2022/10/4</a:t>
+              <a:t>2022/10/6</a:t>
             </a:fld>
             <a:endParaRPr lang="ja-JP" altLang="en-US" dirty="0"/>
           </a:p>
@@ -1487,7 +1487,7 @@
             <a:fld id="{409B9CA5-81D2-46C0-A35B-AB23A863D5F9}" type="datetimeFigureOut">
               <a:rPr lang="ja-JP" altLang="en-US" smtClean="0"/>
               <a:pPr/>
-              <a:t>2022/10/4</a:t>
+              <a:t>2022/10/6</a:t>
             </a:fld>
             <a:endParaRPr lang="ja-JP" altLang="en-US" dirty="0"/>
           </a:p>
@@ -1755,7 +1755,7 @@
             <a:fld id="{409B9CA5-81D2-46C0-A35B-AB23A863D5F9}" type="datetimeFigureOut">
               <a:rPr lang="ja-JP" altLang="en-US" smtClean="0"/>
               <a:pPr/>
-              <a:t>2022/10/4</a:t>
+              <a:t>2022/10/6</a:t>
             </a:fld>
             <a:endParaRPr lang="ja-JP" altLang="en-US" dirty="0"/>
           </a:p>
@@ -2150,7 +2150,7 @@
             <a:fld id="{409B9CA5-81D2-46C0-A35B-AB23A863D5F9}" type="datetimeFigureOut">
               <a:rPr lang="ja-JP" altLang="en-US" smtClean="0"/>
               <a:pPr/>
-              <a:t>2022/10/4</a:t>
+              <a:t>2022/10/6</a:t>
             </a:fld>
             <a:endParaRPr lang="ja-JP" altLang="en-US" dirty="0"/>
           </a:p>
@@ -2684,7 +2684,7 @@
             <a:fld id="{409B9CA5-81D2-46C0-A35B-AB23A863D5F9}" type="datetimeFigureOut">
               <a:rPr lang="ja-JP" altLang="en-US" smtClean="0"/>
               <a:pPr/>
-              <a:t>2022/10/4</a:t>
+              <a:t>2022/10/6</a:t>
             </a:fld>
             <a:endParaRPr lang="ja-JP" altLang="en-US" dirty="0"/>
           </a:p>
@@ -2827,7 +2827,7 @@
             <a:fld id="{409B9CA5-81D2-46C0-A35B-AB23A863D5F9}" type="datetimeFigureOut">
               <a:rPr lang="ja-JP" altLang="en-US" smtClean="0"/>
               <a:pPr/>
-              <a:t>2022/10/4</a:t>
+              <a:t>2022/10/6</a:t>
             </a:fld>
             <a:endParaRPr lang="ja-JP" altLang="en-US" dirty="0"/>
           </a:p>
@@ -2942,7 +2942,7 @@
             <a:fld id="{409B9CA5-81D2-46C0-A35B-AB23A863D5F9}" type="datetimeFigureOut">
               <a:rPr lang="ja-JP" altLang="en-US" smtClean="0"/>
               <a:pPr/>
-              <a:t>2022/10/4</a:t>
+              <a:t>2022/10/6</a:t>
             </a:fld>
             <a:endParaRPr lang="ja-JP" altLang="en-US" dirty="0"/>
           </a:p>
@@ -3283,7 +3283,7 @@
             <a:fld id="{409B9CA5-81D2-46C0-A35B-AB23A863D5F9}" type="datetimeFigureOut">
               <a:rPr lang="ja-JP" altLang="en-US" smtClean="0"/>
               <a:pPr/>
-              <a:t>2022/10/4</a:t>
+              <a:t>2022/10/6</a:t>
             </a:fld>
             <a:endParaRPr lang="ja-JP" altLang="en-US" dirty="0"/>
           </a:p>
@@ -3561,7 +3561,7 @@
             <a:fld id="{409B9CA5-81D2-46C0-A35B-AB23A863D5F9}" type="datetimeFigureOut">
               <a:rPr lang="ja-JP" altLang="en-US" smtClean="0"/>
               <a:pPr/>
-              <a:t>2022/10/4</a:t>
+              <a:t>2022/10/6</a:t>
             </a:fld>
             <a:endParaRPr lang="ja-JP" altLang="en-US" dirty="0"/>
           </a:p>
@@ -3819,7 +3819,7 @@
             <a:fld id="{409B9CA5-81D2-46C0-A35B-AB23A863D5F9}" type="datetimeFigureOut">
               <a:rPr lang="ja-JP" altLang="en-US" smtClean="0"/>
               <a:pPr/>
-              <a:t>2022/10/4</a:t>
+              <a:t>2022/10/6</a:t>
             </a:fld>
             <a:endParaRPr lang="ja-JP" altLang="en-US" dirty="0"/>
           </a:p>
@@ -8565,8 +8565,8 @@
         </p:nvSpPr>
         <p:spPr>
           <a:xfrm>
-            <a:off x="22670318" y="10495418"/>
-            <a:ext cx="2637453" cy="900009"/>
+            <a:off x="21528955" y="10495418"/>
+            <a:ext cx="3778817" cy="900009"/>
           </a:xfrm>
           <a:prstGeom prst="roundRect">
             <a:avLst/>
@@ -8604,7 +8604,7 @@
                 <a:latin typeface="UD デジタル 教科書体 N-B" panose="02020700000000000000" pitchFamily="17" charset="-128"/>
                 <a:ea typeface="UD デジタル 教科書体 N-B" panose="02020700000000000000" pitchFamily="17" charset="-128"/>
               </a:rPr>
-              <a:t>選手</a:t>
+              <a:t>選手位置</a:t>
             </a:r>
           </a:p>
         </p:txBody>
@@ -8623,8 +8623,8 @@
         </p:nvSpPr>
         <p:spPr>
           <a:xfrm>
-            <a:off x="22670319" y="16522699"/>
-            <a:ext cx="2637453" cy="900009"/>
+            <a:off x="21528955" y="16522699"/>
+            <a:ext cx="3778817" cy="900009"/>
           </a:xfrm>
           <a:prstGeom prst="roundRect">
             <a:avLst/>
@@ -8662,7 +8662,7 @@
                 <a:latin typeface="UD デジタル 教科書体 N-B" panose="02020700000000000000" pitchFamily="17" charset="-128"/>
                 <a:ea typeface="UD デジタル 教科書体 N-B" panose="02020700000000000000" pitchFamily="17" charset="-128"/>
               </a:rPr>
-              <a:t>カメラ</a:t>
+              <a:t>カメラ位置</a:t>
             </a:r>
           </a:p>
         </p:txBody>
@@ -9226,26 +9226,6 @@
 </file>
 
 <file path=customXml/item1.xml><?xml version="1.0" encoding="utf-8"?>
-<p:properties xmlns:p="http://schemas.microsoft.com/office/2006/metadata/properties" xmlns:xsi="http://www.w3.org/2001/XMLSchema-instance" xmlns:pc="http://schemas.microsoft.com/office/infopath/2007/PartnerControls">
-  <documentManagement>
-    <lcf76f155ced4ddcb4097134ff3c332f xmlns="d6899de3-1125-4d4b-b534-4822d3c0297b">
-      <Terms xmlns="http://schemas.microsoft.com/office/infopath/2007/PartnerControls"/>
-    </lcf76f155ced4ddcb4097134ff3c332f>
-    <TaxCatchAll xmlns="d105cd02-f242-4b57-b36a-2b84b88f6108" xsi:nil="true"/>
-  </documentManagement>
-</p:properties>
-</file>
-
-<file path=customXml/item2.xml><?xml version="1.0" encoding="utf-8"?>
-<?mso-contentType ?>
-<FormTemplates xmlns="http://schemas.microsoft.com/sharepoint/v3/contenttype/forms">
-  <Display>DocumentLibraryForm</Display>
-  <Edit>DocumentLibraryForm</Edit>
-  <New>DocumentLibraryForm</New>
-</FormTemplates>
-</file>
-
-<file path=customXml/item3.xml><?xml version="1.0" encoding="utf-8"?>
 <ct:contentTypeSchema xmlns:ct="http://schemas.microsoft.com/office/2006/metadata/contentType" xmlns:ma="http://schemas.microsoft.com/office/2006/metadata/properties/metaAttributes" ct:_="" ma:_="" ma:contentTypeName="ドキュメント" ma:contentTypeID="0x010100DA3AE0181D46CC48B1A6C7D49B05DC0E" ma:contentTypeVersion="10" ma:contentTypeDescription="新しいドキュメントを作成します。" ma:contentTypeScope="" ma:versionID="6891c78b8800e17b2974d5a387b7c6d4">
   <xsd:schema xmlns:xsd="http://www.w3.org/2001/XMLSchema" xmlns:xs="http://www.w3.org/2001/XMLSchema" xmlns:p="http://schemas.microsoft.com/office/2006/metadata/properties" xmlns:ns2="d6899de3-1125-4d4b-b534-4822d3c0297b" xmlns:ns3="d105cd02-f242-4b57-b36a-2b84b88f6108" targetNamespace="http://schemas.microsoft.com/office/2006/metadata/properties" ma:root="true" ma:fieldsID="5dff3b6462acfd23d6a98baa8449f01e" ns2:_="" ns3:_="">
     <xsd:import namespace="d6899de3-1125-4d4b-b534-4822d3c0297b"/>
@@ -9434,32 +9414,27 @@
 </ct:contentTypeSchema>
 </file>
 
-<file path=customXml/itemProps1.xml><?xml version="1.0" encoding="utf-8"?>
-<ds:datastoreItem xmlns:ds="http://schemas.openxmlformats.org/officeDocument/2006/customXml" ds:itemID="{98676A2F-3173-45D1-83A8-D056D89C5CF4}">
-  <ds:schemaRefs>
-    <ds:schemaRef ds:uri="http://purl.org/dc/elements/1.1/"/>
-    <ds:schemaRef ds:uri="http://purl.org/dc/dcmitype/"/>
-    <ds:schemaRef ds:uri="http://schemas.microsoft.com/office/2006/documentManagement/types"/>
-    <ds:schemaRef ds:uri="http://schemas.microsoft.com/office/2006/metadata/properties"/>
-    <ds:schemaRef ds:uri="http://www.w3.org/XML/1998/namespace"/>
-    <ds:schemaRef ds:uri="d6899de3-1125-4d4b-b534-4822d3c0297b"/>
-    <ds:schemaRef ds:uri="http://schemas.microsoft.com/office/infopath/2007/PartnerControls"/>
-    <ds:schemaRef ds:uri="http://schemas.openxmlformats.org/package/2006/metadata/core-properties"/>
-    <ds:schemaRef ds:uri="d105cd02-f242-4b57-b36a-2b84b88f6108"/>
-    <ds:schemaRef ds:uri="http://purl.org/dc/terms/"/>
-  </ds:schemaRefs>
-</ds:datastoreItem>
+<file path=customXml/item2.xml><?xml version="1.0" encoding="utf-8"?>
+<?mso-contentType ?>
+<FormTemplates xmlns="http://schemas.microsoft.com/sharepoint/v3/contenttype/forms">
+  <Display>DocumentLibraryForm</Display>
+  <Edit>DocumentLibraryForm</Edit>
+  <New>DocumentLibraryForm</New>
+</FormTemplates>
 </file>
 
-<file path=customXml/itemProps2.xml><?xml version="1.0" encoding="utf-8"?>
-<ds:datastoreItem xmlns:ds="http://schemas.openxmlformats.org/officeDocument/2006/customXml" ds:itemID="{D2ECA147-2494-4F76-8E6D-6CE2BA0DF9A6}">
-  <ds:schemaRefs>
-    <ds:schemaRef ds:uri="http://schemas.microsoft.com/sharepoint/v3/contenttype/forms"/>
-  </ds:schemaRefs>
-</ds:datastoreItem>
+<file path=customXml/item3.xml><?xml version="1.0" encoding="utf-8"?>
+<p:properties xmlns:p="http://schemas.microsoft.com/office/2006/metadata/properties" xmlns:xsi="http://www.w3.org/2001/XMLSchema-instance" xmlns:pc="http://schemas.microsoft.com/office/infopath/2007/PartnerControls">
+  <documentManagement>
+    <lcf76f155ced4ddcb4097134ff3c332f xmlns="d6899de3-1125-4d4b-b534-4822d3c0297b">
+      <Terms xmlns="http://schemas.microsoft.com/office/infopath/2007/PartnerControls"/>
+    </lcf76f155ced4ddcb4097134ff3c332f>
+    <TaxCatchAll xmlns="d105cd02-f242-4b57-b36a-2b84b88f6108" xsi:nil="true"/>
+  </documentManagement>
+</p:properties>
 </file>
 
-<file path=customXml/itemProps3.xml><?xml version="1.0" encoding="utf-8"?>
+<file path=customXml/itemProps1.xml><?xml version="1.0" encoding="utf-8"?>
 <ds:datastoreItem xmlns:ds="http://schemas.openxmlformats.org/officeDocument/2006/customXml" ds:itemID="{4BE7F689-3E48-441B-95DA-179F2A5FFC3F}">
   <ds:schemaRefs>
     <ds:schemaRef ds:uri="http://schemas.microsoft.com/office/2006/metadata/contentType"/>
@@ -9476,4 +9451,29 @@
     <ds:schemaRef ds:uri="http://schemas.microsoft.com/internal/obd"/>
   </ds:schemaRefs>
 </ds:datastoreItem>
+</file>
+
+<file path=customXml/itemProps2.xml><?xml version="1.0" encoding="utf-8"?>
+<ds:datastoreItem xmlns:ds="http://schemas.openxmlformats.org/officeDocument/2006/customXml" ds:itemID="{D2ECA147-2494-4F76-8E6D-6CE2BA0DF9A6}">
+  <ds:schemaRefs>
+    <ds:schemaRef ds:uri="http://schemas.microsoft.com/sharepoint/v3/contenttype/forms"/>
+  </ds:schemaRefs>
+</ds:datastoreItem>
+</file>
+
+<file path=customXml/itemProps3.xml><?xml version="1.0" encoding="utf-8"?>
+<ds:datastoreItem xmlns:ds="http://schemas.openxmlformats.org/officeDocument/2006/customXml" ds:itemID="{98676A2F-3173-45D1-83A8-D056D89C5CF4}">
+  <ds:schemaRefs>
+    <ds:schemaRef ds:uri="http://purl.org/dc/elements/1.1/"/>
+    <ds:schemaRef ds:uri="http://purl.org/dc/dcmitype/"/>
+    <ds:schemaRef ds:uri="http://schemas.microsoft.com/office/2006/documentManagement/types"/>
+    <ds:schemaRef ds:uri="http://schemas.microsoft.com/office/2006/metadata/properties"/>
+    <ds:schemaRef ds:uri="http://www.w3.org/XML/1998/namespace"/>
+    <ds:schemaRef ds:uri="d6899de3-1125-4d4b-b534-4822d3c0297b"/>
+    <ds:schemaRef ds:uri="http://schemas.microsoft.com/office/infopath/2007/PartnerControls"/>
+    <ds:schemaRef ds:uri="http://schemas.openxmlformats.org/package/2006/metadata/core-properties"/>
+    <ds:schemaRef ds:uri="d105cd02-f242-4b57-b36a-2b84b88f6108"/>
+    <ds:schemaRef ds:uri="http://purl.org/dc/terms/"/>
+  </ds:schemaRefs>
+</ds:datastoreItem>
 </file>
--- a/Report/mid/卒研中間ポスター_佐野_1007.pptx
+++ b/Report/mid/卒研中間ポスター_佐野_1007.pptx
@@ -8667,6 +8667,421 @@
           </a:p>
         </p:txBody>
       </p:sp>
+      <p:sp>
+        <p:nvSpPr>
+          <p:cNvPr id="6" name="吹き出し: 四角形 5">
+            <a:extLst>
+              <a:ext uri="{FF2B5EF4-FFF2-40B4-BE49-F238E27FC236}">
+                <a16:creationId xmlns:a16="http://schemas.microsoft.com/office/drawing/2014/main" id="{BAC1DA34-A68C-581C-E0C5-2FB2C24F1780}"/>
+              </a:ext>
+            </a:extLst>
+          </p:cNvPr>
+          <p:cNvSpPr/>
+          <p:nvPr/>
+        </p:nvSpPr>
+        <p:spPr>
+          <a:xfrm>
+            <a:off x="-19299581" y="15051403"/>
+            <a:ext cx="6353308" cy="7592672"/>
+          </a:xfrm>
+          <a:prstGeom prst="wedgeRectCallout">
+            <a:avLst>
+              <a:gd name="adj1" fmla="val 273486"/>
+              <a:gd name="adj2" fmla="val -98982"/>
+            </a:avLst>
+          </a:prstGeom>
+          <a:solidFill>
+            <a:srgbClr val="00B0F0"/>
+          </a:solidFill>
+          <a:ln>
+            <a:solidFill>
+              <a:srgbClr val="00B0F0"/>
+            </a:solidFill>
+          </a:ln>
+        </p:spPr>
+        <p:style>
+          <a:lnRef idx="2">
+            <a:schemeClr val="accent1">
+              <a:shade val="50000"/>
+            </a:schemeClr>
+          </a:lnRef>
+          <a:fillRef idx="1">
+            <a:schemeClr val="accent1"/>
+          </a:fillRef>
+          <a:effectRef idx="0">
+            <a:schemeClr val="accent1"/>
+          </a:effectRef>
+          <a:fontRef idx="minor">
+            <a:schemeClr val="lt1"/>
+          </a:fontRef>
+        </p:style>
+        <p:txBody>
+          <a:bodyPr rtlCol="0" anchor="ctr"/>
+          <a:lstStyle>
+            <a:defPPr>
+              <a:defRPr lang="ja-JP"/>
+            </a:defPPr>
+            <a:lvl1pPr marL="0" algn="l" defTabSz="3451951" rtl="0" eaLnBrk="1" latinLnBrk="0" hangingPunct="1">
+              <a:defRPr kumimoji="1" sz="6795" kern="1200">
+                <a:solidFill>
+                  <a:schemeClr val="lt1"/>
+                </a:solidFill>
+                <a:latin typeface="+mn-lt"/>
+                <a:ea typeface="+mn-ea"/>
+                <a:cs typeface="+mn-cs"/>
+              </a:defRPr>
+            </a:lvl1pPr>
+            <a:lvl2pPr marL="1725976" algn="l" defTabSz="3451951" rtl="0" eaLnBrk="1" latinLnBrk="0" hangingPunct="1">
+              <a:defRPr kumimoji="1" sz="6795" kern="1200">
+                <a:solidFill>
+                  <a:schemeClr val="lt1"/>
+                </a:solidFill>
+                <a:latin typeface="+mn-lt"/>
+                <a:ea typeface="+mn-ea"/>
+                <a:cs typeface="+mn-cs"/>
+              </a:defRPr>
+            </a:lvl2pPr>
+            <a:lvl3pPr marL="3451951" algn="l" defTabSz="3451951" rtl="0" eaLnBrk="1" latinLnBrk="0" hangingPunct="1">
+              <a:defRPr kumimoji="1" sz="6795" kern="1200">
+                <a:solidFill>
+                  <a:schemeClr val="lt1"/>
+                </a:solidFill>
+                <a:latin typeface="+mn-lt"/>
+                <a:ea typeface="+mn-ea"/>
+                <a:cs typeface="+mn-cs"/>
+              </a:defRPr>
+            </a:lvl3pPr>
+            <a:lvl4pPr marL="5177927" algn="l" defTabSz="3451951" rtl="0" eaLnBrk="1" latinLnBrk="0" hangingPunct="1">
+              <a:defRPr kumimoji="1" sz="6795" kern="1200">
+                <a:solidFill>
+                  <a:schemeClr val="lt1"/>
+                </a:solidFill>
+                <a:latin typeface="+mn-lt"/>
+                <a:ea typeface="+mn-ea"/>
+                <a:cs typeface="+mn-cs"/>
+              </a:defRPr>
+            </a:lvl4pPr>
+            <a:lvl5pPr marL="6903903" algn="l" defTabSz="3451951" rtl="0" eaLnBrk="1" latinLnBrk="0" hangingPunct="1">
+              <a:defRPr kumimoji="1" sz="6795" kern="1200">
+                <a:solidFill>
+                  <a:schemeClr val="lt1"/>
+                </a:solidFill>
+                <a:latin typeface="+mn-lt"/>
+                <a:ea typeface="+mn-ea"/>
+                <a:cs typeface="+mn-cs"/>
+              </a:defRPr>
+            </a:lvl5pPr>
+            <a:lvl6pPr marL="8629879" algn="l" defTabSz="3451951" rtl="0" eaLnBrk="1" latinLnBrk="0" hangingPunct="1">
+              <a:defRPr kumimoji="1" sz="6795" kern="1200">
+                <a:solidFill>
+                  <a:schemeClr val="lt1"/>
+                </a:solidFill>
+                <a:latin typeface="+mn-lt"/>
+                <a:ea typeface="+mn-ea"/>
+                <a:cs typeface="+mn-cs"/>
+              </a:defRPr>
+            </a:lvl6pPr>
+            <a:lvl7pPr marL="10355854" algn="l" defTabSz="3451951" rtl="0" eaLnBrk="1" latinLnBrk="0" hangingPunct="1">
+              <a:defRPr kumimoji="1" sz="6795" kern="1200">
+                <a:solidFill>
+                  <a:schemeClr val="lt1"/>
+                </a:solidFill>
+                <a:latin typeface="+mn-lt"/>
+                <a:ea typeface="+mn-ea"/>
+                <a:cs typeface="+mn-cs"/>
+              </a:defRPr>
+            </a:lvl7pPr>
+            <a:lvl8pPr marL="12081830" algn="l" defTabSz="3451951" rtl="0" eaLnBrk="1" latinLnBrk="0" hangingPunct="1">
+              <a:defRPr kumimoji="1" sz="6795" kern="1200">
+                <a:solidFill>
+                  <a:schemeClr val="lt1"/>
+                </a:solidFill>
+                <a:latin typeface="+mn-lt"/>
+                <a:ea typeface="+mn-ea"/>
+                <a:cs typeface="+mn-cs"/>
+              </a:defRPr>
+            </a:lvl8pPr>
+            <a:lvl9pPr marL="13807806" algn="l" defTabSz="3451951" rtl="0" eaLnBrk="1" latinLnBrk="0" hangingPunct="1">
+              <a:defRPr kumimoji="1" sz="6795" kern="1200">
+                <a:solidFill>
+                  <a:schemeClr val="lt1"/>
+                </a:solidFill>
+                <a:latin typeface="+mn-lt"/>
+                <a:ea typeface="+mn-ea"/>
+                <a:cs typeface="+mn-cs"/>
+              </a:defRPr>
+            </a:lvl9pPr>
+          </a:lstStyle>
+          <a:p>
+            <a:pPr algn="ctr"/>
+            <a:r>
+              <a:rPr kumimoji="1" lang="ja-JP" altLang="en-US" sz="3200" dirty="0"/>
+              <a:t>新たに提案とありますが、</a:t>
+            </a:r>
+            <a:endParaRPr kumimoji="1" lang="en-US" altLang="ja-JP" sz="3200" dirty="0"/>
+          </a:p>
+          <a:p>
+            <a:pPr algn="ctr"/>
+            <a:r>
+              <a:rPr lang="ja-JP" altLang="en-US" sz="3200" dirty="0"/>
+              <a:t>既存研究については</a:t>
+            </a:r>
+            <a:endParaRPr lang="en-US" altLang="ja-JP" sz="3200" dirty="0"/>
+          </a:p>
+          <a:p>
+            <a:pPr algn="ctr"/>
+            <a:r>
+              <a:rPr kumimoji="1" lang="ja-JP" altLang="en-US" sz="3200" dirty="0"/>
+              <a:t>全くないのでしたっけ？</a:t>
+            </a:r>
+            <a:br>
+              <a:rPr kumimoji="1" lang="en-US" altLang="ja-JP" sz="3200" dirty="0"/>
+            </a:br>
+            <a:br>
+              <a:rPr kumimoji="1" lang="en-US" altLang="ja-JP" sz="3200" dirty="0"/>
+            </a:br>
+            <a:r>
+              <a:rPr kumimoji="1" lang="ja-JP" altLang="en-US" sz="3200" dirty="0"/>
+              <a:t>佐野返信：</a:t>
+            </a:r>
+            <a:endParaRPr kumimoji="1" lang="en-US" altLang="ja-JP" sz="3200" dirty="0"/>
+          </a:p>
+          <a:p>
+            <a:pPr algn="ctr"/>
+            <a:r>
+              <a:rPr kumimoji="1" lang="ja-JP" altLang="en-US" sz="3200" dirty="0"/>
+              <a:t>弱透視投影というものが自分が提案した手法に考えが近かったのですが、異なる手法でした。ただ</a:t>
+            </a:r>
+            <a:r>
+              <a:rPr kumimoji="1" lang="en-US" altLang="ja-JP" sz="3200" dirty="0"/>
+              <a:t>DLT</a:t>
+            </a:r>
+            <a:r>
+              <a:rPr kumimoji="1" lang="ja-JP" altLang="en-US" sz="3200" dirty="0"/>
+              <a:t>法という手法が他にあり、それが今回提案した手法に関係しているかもしれないと考えています。ただ、スペースの関係上「新たに提案」という説明文は今回省きました。</a:t>
+            </a:r>
+          </a:p>
+        </p:txBody>
+      </p:sp>
+      <p:sp>
+        <p:nvSpPr>
+          <p:cNvPr id="34" name="吹き出し: 四角形 33">
+            <a:extLst>
+              <a:ext uri="{FF2B5EF4-FFF2-40B4-BE49-F238E27FC236}">
+                <a16:creationId xmlns:a16="http://schemas.microsoft.com/office/drawing/2014/main" id="{EC6FE379-ACDF-5E7D-F14D-00AA9C1BA13E}"/>
+              </a:ext>
+            </a:extLst>
+          </p:cNvPr>
+          <p:cNvSpPr/>
+          <p:nvPr/>
+        </p:nvSpPr>
+        <p:spPr>
+          <a:xfrm>
+            <a:off x="30241923" y="10546052"/>
+            <a:ext cx="10830899" cy="7777543"/>
+          </a:xfrm>
+          <a:prstGeom prst="wedgeRectCallout">
+            <a:avLst>
+              <a:gd name="adj1" fmla="val -98808"/>
+              <a:gd name="adj2" fmla="val -22"/>
+            </a:avLst>
+          </a:prstGeom>
+          <a:solidFill>
+            <a:srgbClr val="00B0F0"/>
+          </a:solidFill>
+          <a:ln>
+            <a:solidFill>
+              <a:srgbClr val="00B0F0"/>
+            </a:solidFill>
+          </a:ln>
+        </p:spPr>
+        <p:style>
+          <a:lnRef idx="2">
+            <a:schemeClr val="accent1">
+              <a:shade val="50000"/>
+            </a:schemeClr>
+          </a:lnRef>
+          <a:fillRef idx="1">
+            <a:schemeClr val="accent1"/>
+          </a:fillRef>
+          <a:effectRef idx="0">
+            <a:schemeClr val="accent1"/>
+          </a:effectRef>
+          <a:fontRef idx="minor">
+            <a:schemeClr val="lt1"/>
+          </a:fontRef>
+        </p:style>
+        <p:txBody>
+          <a:bodyPr rtlCol="0" anchor="ctr"/>
+          <a:lstStyle>
+            <a:defPPr>
+              <a:defRPr lang="ja-JP"/>
+            </a:defPPr>
+            <a:lvl1pPr marL="0" algn="l" defTabSz="3451951" rtl="0" eaLnBrk="1" latinLnBrk="0" hangingPunct="1">
+              <a:defRPr kumimoji="1" sz="6795" kern="1200">
+                <a:solidFill>
+                  <a:schemeClr val="lt1"/>
+                </a:solidFill>
+                <a:latin typeface="+mn-lt"/>
+                <a:ea typeface="+mn-ea"/>
+                <a:cs typeface="+mn-cs"/>
+              </a:defRPr>
+            </a:lvl1pPr>
+            <a:lvl2pPr marL="1725976" algn="l" defTabSz="3451951" rtl="0" eaLnBrk="1" latinLnBrk="0" hangingPunct="1">
+              <a:defRPr kumimoji="1" sz="6795" kern="1200">
+                <a:solidFill>
+                  <a:schemeClr val="lt1"/>
+                </a:solidFill>
+                <a:latin typeface="+mn-lt"/>
+                <a:ea typeface="+mn-ea"/>
+                <a:cs typeface="+mn-cs"/>
+              </a:defRPr>
+            </a:lvl2pPr>
+            <a:lvl3pPr marL="3451951" algn="l" defTabSz="3451951" rtl="0" eaLnBrk="1" latinLnBrk="0" hangingPunct="1">
+              <a:defRPr kumimoji="1" sz="6795" kern="1200">
+                <a:solidFill>
+                  <a:schemeClr val="lt1"/>
+                </a:solidFill>
+                <a:latin typeface="+mn-lt"/>
+                <a:ea typeface="+mn-ea"/>
+                <a:cs typeface="+mn-cs"/>
+              </a:defRPr>
+            </a:lvl3pPr>
+            <a:lvl4pPr marL="5177927" algn="l" defTabSz="3451951" rtl="0" eaLnBrk="1" latinLnBrk="0" hangingPunct="1">
+              <a:defRPr kumimoji="1" sz="6795" kern="1200">
+                <a:solidFill>
+                  <a:schemeClr val="lt1"/>
+                </a:solidFill>
+                <a:latin typeface="+mn-lt"/>
+                <a:ea typeface="+mn-ea"/>
+                <a:cs typeface="+mn-cs"/>
+              </a:defRPr>
+            </a:lvl4pPr>
+            <a:lvl5pPr marL="6903903" algn="l" defTabSz="3451951" rtl="0" eaLnBrk="1" latinLnBrk="0" hangingPunct="1">
+              <a:defRPr kumimoji="1" sz="6795" kern="1200">
+                <a:solidFill>
+                  <a:schemeClr val="lt1"/>
+                </a:solidFill>
+                <a:latin typeface="+mn-lt"/>
+                <a:ea typeface="+mn-ea"/>
+                <a:cs typeface="+mn-cs"/>
+              </a:defRPr>
+            </a:lvl5pPr>
+            <a:lvl6pPr marL="8629879" algn="l" defTabSz="3451951" rtl="0" eaLnBrk="1" latinLnBrk="0" hangingPunct="1">
+              <a:defRPr kumimoji="1" sz="6795" kern="1200">
+                <a:solidFill>
+                  <a:schemeClr val="lt1"/>
+                </a:solidFill>
+                <a:latin typeface="+mn-lt"/>
+                <a:ea typeface="+mn-ea"/>
+                <a:cs typeface="+mn-cs"/>
+              </a:defRPr>
+            </a:lvl6pPr>
+            <a:lvl7pPr marL="10355854" algn="l" defTabSz="3451951" rtl="0" eaLnBrk="1" latinLnBrk="0" hangingPunct="1">
+              <a:defRPr kumimoji="1" sz="6795" kern="1200">
+                <a:solidFill>
+                  <a:schemeClr val="lt1"/>
+                </a:solidFill>
+                <a:latin typeface="+mn-lt"/>
+                <a:ea typeface="+mn-ea"/>
+                <a:cs typeface="+mn-cs"/>
+              </a:defRPr>
+            </a:lvl7pPr>
+            <a:lvl8pPr marL="12081830" algn="l" defTabSz="3451951" rtl="0" eaLnBrk="1" latinLnBrk="0" hangingPunct="1">
+              <a:defRPr kumimoji="1" sz="6795" kern="1200">
+                <a:solidFill>
+                  <a:schemeClr val="lt1"/>
+                </a:solidFill>
+                <a:latin typeface="+mn-lt"/>
+                <a:ea typeface="+mn-ea"/>
+                <a:cs typeface="+mn-cs"/>
+              </a:defRPr>
+            </a:lvl8pPr>
+            <a:lvl9pPr marL="13807806" algn="l" defTabSz="3451951" rtl="0" eaLnBrk="1" latinLnBrk="0" hangingPunct="1">
+              <a:defRPr kumimoji="1" sz="6795" kern="1200">
+                <a:solidFill>
+                  <a:schemeClr val="lt1"/>
+                </a:solidFill>
+                <a:latin typeface="+mn-lt"/>
+                <a:ea typeface="+mn-ea"/>
+                <a:cs typeface="+mn-cs"/>
+              </a:defRPr>
+            </a:lvl9pPr>
+          </a:lstStyle>
+          <a:p>
+            <a:pPr algn="ctr"/>
+            <a:r>
+              <a:rPr kumimoji="1" lang="ja-JP" altLang="en-US" sz="3200" dirty="0"/>
+              <a:t>選手の３次元位置を追跡するために、なぜカメラ位置を知る必要があるのか、論理が飛んでいる気がします。</a:t>
+            </a:r>
+            <a:endParaRPr kumimoji="1" lang="en-US" altLang="ja-JP" sz="3200" dirty="0"/>
+          </a:p>
+          <a:p>
+            <a:pPr algn="ctr"/>
+            <a:endParaRPr lang="en-US" altLang="ja-JP" sz="3200" dirty="0"/>
+          </a:p>
+          <a:p>
+            <a:pPr algn="ctr"/>
+            <a:r>
+              <a:rPr kumimoji="1" lang="ja-JP" altLang="en-US" sz="3200" dirty="0"/>
+              <a:t>分析システムの全容がわかる図などを加えると</a:t>
+            </a:r>
+            <a:endParaRPr kumimoji="1" lang="en-US" altLang="ja-JP" sz="3200" dirty="0"/>
+          </a:p>
+          <a:p>
+            <a:pPr algn="ctr"/>
+            <a:r>
+              <a:rPr lang="ja-JP" altLang="en-US" sz="3200" dirty="0"/>
+              <a:t>説明しやすくなります。</a:t>
+            </a:r>
+            <a:endParaRPr lang="en-US" altLang="ja-JP" sz="3200" dirty="0"/>
+          </a:p>
+          <a:p>
+            <a:pPr algn="ctr"/>
+            <a:endParaRPr kumimoji="1" lang="en-US" altLang="ja-JP" sz="3200" dirty="0"/>
+          </a:p>
+          <a:p>
+            <a:pPr algn="ctr"/>
+            <a:r>
+              <a:rPr lang="ja-JP" altLang="en-US" sz="3200" dirty="0"/>
+              <a:t>検討してください</a:t>
+            </a:r>
+            <a:endParaRPr lang="en-US" altLang="ja-JP" sz="3200" dirty="0"/>
+          </a:p>
+          <a:p>
+            <a:pPr algn="ctr"/>
+            <a:endParaRPr kumimoji="1" lang="en-US" altLang="ja-JP" sz="3200" dirty="0"/>
+          </a:p>
+          <a:p>
+            <a:pPr algn="ctr"/>
+            <a:r>
+              <a:rPr lang="ja-JP" altLang="en-US" sz="3200" dirty="0"/>
+              <a:t>佐野返信：</a:t>
+            </a:r>
+            <a:endParaRPr lang="en-US" altLang="ja-JP" sz="3200" dirty="0"/>
+          </a:p>
+          <a:p>
+            <a:pPr algn="ctr"/>
+            <a:r>
+              <a:rPr lang="ja-JP" altLang="en-US" sz="3200" dirty="0"/>
+              <a:t>最終的に選手位置を推定する目的で、カメラ位置を推定する必要がある旨を記述しました。</a:t>
+            </a:r>
+            <a:endParaRPr lang="en-US" altLang="ja-JP" sz="3200" dirty="0"/>
+          </a:p>
+          <a:p>
+            <a:pPr algn="ctr"/>
+            <a:r>
+              <a:rPr lang="ja-JP" altLang="en-US" sz="3200" dirty="0"/>
+              <a:t>選手位置とカメラ位置の推定がこんがらがらないために、グレーの区切り線を挟んだり、見出しを右上につけました。</a:t>
+            </a:r>
+            <a:endParaRPr lang="en-US" altLang="ja-JP" sz="3200" dirty="0"/>
+          </a:p>
+          <a:p>
+            <a:pPr algn="ctr"/>
+            <a:endParaRPr kumimoji="1" lang="ja-JP" altLang="en-US" sz="3200" dirty="0"/>
+          </a:p>
+        </p:txBody>
+      </p:sp>
     </p:spTree>
     <p:extLst>
       <p:ext uri="{BB962C8B-B14F-4D97-AF65-F5344CB8AC3E}">
@@ -9226,6 +9641,26 @@
 </file>
 
 <file path=customXml/item1.xml><?xml version="1.0" encoding="utf-8"?>
+<p:properties xmlns:p="http://schemas.microsoft.com/office/2006/metadata/properties" xmlns:xsi="http://www.w3.org/2001/XMLSchema-instance" xmlns:pc="http://schemas.microsoft.com/office/infopath/2007/PartnerControls">
+  <documentManagement>
+    <lcf76f155ced4ddcb4097134ff3c332f xmlns="d6899de3-1125-4d4b-b534-4822d3c0297b">
+      <Terms xmlns="http://schemas.microsoft.com/office/infopath/2007/PartnerControls"/>
+    </lcf76f155ced4ddcb4097134ff3c332f>
+    <TaxCatchAll xmlns="d105cd02-f242-4b57-b36a-2b84b88f6108" xsi:nil="true"/>
+  </documentManagement>
+</p:properties>
+</file>
+
+<file path=customXml/item2.xml><?xml version="1.0" encoding="utf-8"?>
+<?mso-contentType ?>
+<FormTemplates xmlns="http://schemas.microsoft.com/sharepoint/v3/contenttype/forms">
+  <Display>DocumentLibraryForm</Display>
+  <Edit>DocumentLibraryForm</Edit>
+  <New>DocumentLibraryForm</New>
+</FormTemplates>
+</file>
+
+<file path=customXml/item3.xml><?xml version="1.0" encoding="utf-8"?>
 <ct:contentTypeSchema xmlns:ct="http://schemas.microsoft.com/office/2006/metadata/contentType" xmlns:ma="http://schemas.microsoft.com/office/2006/metadata/properties/metaAttributes" ct:_="" ma:_="" ma:contentTypeName="ドキュメント" ma:contentTypeID="0x010100DA3AE0181D46CC48B1A6C7D49B05DC0E" ma:contentTypeVersion="10" ma:contentTypeDescription="新しいドキュメントを作成します。" ma:contentTypeScope="" ma:versionID="6891c78b8800e17b2974d5a387b7c6d4">
   <xsd:schema xmlns:xsd="http://www.w3.org/2001/XMLSchema" xmlns:xs="http://www.w3.org/2001/XMLSchema" xmlns:p="http://schemas.microsoft.com/office/2006/metadata/properties" xmlns:ns2="d6899de3-1125-4d4b-b534-4822d3c0297b" xmlns:ns3="d105cd02-f242-4b57-b36a-2b84b88f6108" targetNamespace="http://schemas.microsoft.com/office/2006/metadata/properties" ma:root="true" ma:fieldsID="5dff3b6462acfd23d6a98baa8449f01e" ns2:_="" ns3:_="">
     <xsd:import namespace="d6899de3-1125-4d4b-b534-4822d3c0297b"/>
@@ -9414,27 +9849,32 @@
 </ct:contentTypeSchema>
 </file>
 
-<file path=customXml/item2.xml><?xml version="1.0" encoding="utf-8"?>
-<?mso-contentType ?>
-<FormTemplates xmlns="http://schemas.microsoft.com/sharepoint/v3/contenttype/forms">
-  <Display>DocumentLibraryForm</Display>
-  <Edit>DocumentLibraryForm</Edit>
-  <New>DocumentLibraryForm</New>
-</FormTemplates>
+<file path=customXml/itemProps1.xml><?xml version="1.0" encoding="utf-8"?>
+<ds:datastoreItem xmlns:ds="http://schemas.openxmlformats.org/officeDocument/2006/customXml" ds:itemID="{98676A2F-3173-45D1-83A8-D056D89C5CF4}">
+  <ds:schemaRefs>
+    <ds:schemaRef ds:uri="http://purl.org/dc/elements/1.1/"/>
+    <ds:schemaRef ds:uri="http://purl.org/dc/dcmitype/"/>
+    <ds:schemaRef ds:uri="http://schemas.microsoft.com/office/2006/documentManagement/types"/>
+    <ds:schemaRef ds:uri="http://schemas.microsoft.com/office/2006/metadata/properties"/>
+    <ds:schemaRef ds:uri="http://www.w3.org/XML/1998/namespace"/>
+    <ds:schemaRef ds:uri="d6899de3-1125-4d4b-b534-4822d3c0297b"/>
+    <ds:schemaRef ds:uri="http://schemas.microsoft.com/office/infopath/2007/PartnerControls"/>
+    <ds:schemaRef ds:uri="http://schemas.openxmlformats.org/package/2006/metadata/core-properties"/>
+    <ds:schemaRef ds:uri="d105cd02-f242-4b57-b36a-2b84b88f6108"/>
+    <ds:schemaRef ds:uri="http://purl.org/dc/terms/"/>
+  </ds:schemaRefs>
+</ds:datastoreItem>
 </file>
 
-<file path=customXml/item3.xml><?xml version="1.0" encoding="utf-8"?>
-<p:properties xmlns:p="http://schemas.microsoft.com/office/2006/metadata/properties" xmlns:xsi="http://www.w3.org/2001/XMLSchema-instance" xmlns:pc="http://schemas.microsoft.com/office/infopath/2007/PartnerControls">
-  <documentManagement>
-    <lcf76f155ced4ddcb4097134ff3c332f xmlns="d6899de3-1125-4d4b-b534-4822d3c0297b">
-      <Terms xmlns="http://schemas.microsoft.com/office/infopath/2007/PartnerControls"/>
-    </lcf76f155ced4ddcb4097134ff3c332f>
-    <TaxCatchAll xmlns="d105cd02-f242-4b57-b36a-2b84b88f6108" xsi:nil="true"/>
-  </documentManagement>
-</p:properties>
+<file path=customXml/itemProps2.xml><?xml version="1.0" encoding="utf-8"?>
+<ds:datastoreItem xmlns:ds="http://schemas.openxmlformats.org/officeDocument/2006/customXml" ds:itemID="{D2ECA147-2494-4F76-8E6D-6CE2BA0DF9A6}">
+  <ds:schemaRefs>
+    <ds:schemaRef ds:uri="http://schemas.microsoft.com/sharepoint/v3/contenttype/forms"/>
+  </ds:schemaRefs>
+</ds:datastoreItem>
 </file>
 
-<file path=customXml/itemProps1.xml><?xml version="1.0" encoding="utf-8"?>
+<file path=customXml/itemProps3.xml><?xml version="1.0" encoding="utf-8"?>
 <ds:datastoreItem xmlns:ds="http://schemas.openxmlformats.org/officeDocument/2006/customXml" ds:itemID="{4BE7F689-3E48-441B-95DA-179F2A5FFC3F}">
   <ds:schemaRefs>
     <ds:schemaRef ds:uri="http://schemas.microsoft.com/office/2006/metadata/contentType"/>
@@ -9451,29 +9891,4 @@
     <ds:schemaRef ds:uri="http://schemas.microsoft.com/internal/obd"/>
   </ds:schemaRefs>
 </ds:datastoreItem>
-</file>
-
-<file path=customXml/itemProps2.xml><?xml version="1.0" encoding="utf-8"?>
-<ds:datastoreItem xmlns:ds="http://schemas.openxmlformats.org/officeDocument/2006/customXml" ds:itemID="{D2ECA147-2494-4F76-8E6D-6CE2BA0DF9A6}">
-  <ds:schemaRefs>
-    <ds:schemaRef ds:uri="http://schemas.microsoft.com/sharepoint/v3/contenttype/forms"/>
-  </ds:schemaRefs>
-</ds:datastoreItem>
-</file>
-
-<file path=customXml/itemProps3.xml><?xml version="1.0" encoding="utf-8"?>
-<ds:datastoreItem xmlns:ds="http://schemas.openxmlformats.org/officeDocument/2006/customXml" ds:itemID="{98676A2F-3173-45D1-83A8-D056D89C5CF4}">
-  <ds:schemaRefs>
-    <ds:schemaRef ds:uri="http://purl.org/dc/elements/1.1/"/>
-    <ds:schemaRef ds:uri="http://purl.org/dc/dcmitype/"/>
-    <ds:schemaRef ds:uri="http://schemas.microsoft.com/office/2006/documentManagement/types"/>
-    <ds:schemaRef ds:uri="http://schemas.microsoft.com/office/2006/metadata/properties"/>
-    <ds:schemaRef ds:uri="http://www.w3.org/XML/1998/namespace"/>
-    <ds:schemaRef ds:uri="d6899de3-1125-4d4b-b534-4822d3c0297b"/>
-    <ds:schemaRef ds:uri="http://schemas.microsoft.com/office/infopath/2007/PartnerControls"/>
-    <ds:schemaRef ds:uri="http://schemas.openxmlformats.org/package/2006/metadata/core-properties"/>
-    <ds:schemaRef ds:uri="d105cd02-f242-4b57-b36a-2b84b88f6108"/>
-    <ds:schemaRef ds:uri="http://purl.org/dc/terms/"/>
-  </ds:schemaRefs>
-</ds:datastoreItem>
 </file>